--- a/imagem/Apresentação1.pptx
+++ b/imagem/Apresentação1.pptx
@@ -9,6 +9,11 @@
     <p:sldId id="257" r:id="rId3"/>
     <p:sldId id="258" r:id="rId4"/>
     <p:sldId id="259" r:id="rId5"/>
+    <p:sldId id="260" r:id="rId6"/>
+    <p:sldId id="261" r:id="rId7"/>
+    <p:sldId id="262" r:id="rId8"/>
+    <p:sldId id="263" r:id="rId9"/>
+    <p:sldId id="264" r:id="rId10"/>
   </p:sldIdLst>
   <p:sldSz cx="12192000" cy="6858000"/>
   <p:notesSz cx="6858000" cy="9144000"/>
@@ -107,6 +112,11 @@
       </a:defRPr>
     </a:lvl9pPr>
   </p:defaultTextStyle>
+  <p:extLst>
+    <p:ext uri="{EFAFB233-063F-42B5-8137-9DF3F51BA10A}">
+      <p15:sldGuideLst xmlns:p15="http://schemas.microsoft.com/office/powerpoint/2012/main"/>
+    </p:ext>
+  </p:extLst>
 </p:presentation>
 </file>
 
@@ -257,7 +267,7 @@
           <a:p>
             <a:fld id="{6F6C779E-BA6D-4C52-B755-DE0C5D29FB14}" type="datetimeFigureOut">
               <a:rPr lang="pt-BR" smtClean="0"/>
-              <a:t>29/11/2023</a:t>
+              <a:t>03/12/2023</a:t>
             </a:fld>
             <a:endParaRPr lang="pt-BR"/>
           </a:p>
@@ -455,7 +465,7 @@
           <a:p>
             <a:fld id="{6F6C779E-BA6D-4C52-B755-DE0C5D29FB14}" type="datetimeFigureOut">
               <a:rPr lang="pt-BR" smtClean="0"/>
-              <a:t>29/11/2023</a:t>
+              <a:t>03/12/2023</a:t>
             </a:fld>
             <a:endParaRPr lang="pt-BR"/>
           </a:p>
@@ -663,7 +673,7 @@
           <a:p>
             <a:fld id="{6F6C779E-BA6D-4C52-B755-DE0C5D29FB14}" type="datetimeFigureOut">
               <a:rPr lang="pt-BR" smtClean="0"/>
-              <a:t>29/11/2023</a:t>
+              <a:t>03/12/2023</a:t>
             </a:fld>
             <a:endParaRPr lang="pt-BR"/>
           </a:p>
@@ -861,7 +871,7 @@
           <a:p>
             <a:fld id="{6F6C779E-BA6D-4C52-B755-DE0C5D29FB14}" type="datetimeFigureOut">
               <a:rPr lang="pt-BR" smtClean="0"/>
-              <a:t>29/11/2023</a:t>
+              <a:t>03/12/2023</a:t>
             </a:fld>
             <a:endParaRPr lang="pt-BR"/>
           </a:p>
@@ -1136,7 +1146,7 @@
           <a:p>
             <a:fld id="{6F6C779E-BA6D-4C52-B755-DE0C5D29FB14}" type="datetimeFigureOut">
               <a:rPr lang="pt-BR" smtClean="0"/>
-              <a:t>29/11/2023</a:t>
+              <a:t>03/12/2023</a:t>
             </a:fld>
             <a:endParaRPr lang="pt-BR"/>
           </a:p>
@@ -1401,7 +1411,7 @@
           <a:p>
             <a:fld id="{6F6C779E-BA6D-4C52-B755-DE0C5D29FB14}" type="datetimeFigureOut">
               <a:rPr lang="pt-BR" smtClean="0"/>
-              <a:t>29/11/2023</a:t>
+              <a:t>03/12/2023</a:t>
             </a:fld>
             <a:endParaRPr lang="pt-BR"/>
           </a:p>
@@ -1813,7 +1823,7 @@
           <a:p>
             <a:fld id="{6F6C779E-BA6D-4C52-B755-DE0C5D29FB14}" type="datetimeFigureOut">
               <a:rPr lang="pt-BR" smtClean="0"/>
-              <a:t>29/11/2023</a:t>
+              <a:t>03/12/2023</a:t>
             </a:fld>
             <a:endParaRPr lang="pt-BR"/>
           </a:p>
@@ -1954,7 +1964,7 @@
           <a:p>
             <a:fld id="{6F6C779E-BA6D-4C52-B755-DE0C5D29FB14}" type="datetimeFigureOut">
               <a:rPr lang="pt-BR" smtClean="0"/>
-              <a:t>29/11/2023</a:t>
+              <a:t>03/12/2023</a:t>
             </a:fld>
             <a:endParaRPr lang="pt-BR"/>
           </a:p>
@@ -2067,7 +2077,7 @@
           <a:p>
             <a:fld id="{6F6C779E-BA6D-4C52-B755-DE0C5D29FB14}" type="datetimeFigureOut">
               <a:rPr lang="pt-BR" smtClean="0"/>
-              <a:t>29/11/2023</a:t>
+              <a:t>03/12/2023</a:t>
             </a:fld>
             <a:endParaRPr lang="pt-BR"/>
           </a:p>
@@ -2378,7 +2388,7 @@
           <a:p>
             <a:fld id="{6F6C779E-BA6D-4C52-B755-DE0C5D29FB14}" type="datetimeFigureOut">
               <a:rPr lang="pt-BR" smtClean="0"/>
-              <a:t>29/11/2023</a:t>
+              <a:t>03/12/2023</a:t>
             </a:fld>
             <a:endParaRPr lang="pt-BR"/>
           </a:p>
@@ -2666,7 +2676,7 @@
           <a:p>
             <a:fld id="{6F6C779E-BA6D-4C52-B755-DE0C5D29FB14}" type="datetimeFigureOut">
               <a:rPr lang="pt-BR" smtClean="0"/>
-              <a:t>29/11/2023</a:t>
+              <a:t>03/12/2023</a:t>
             </a:fld>
             <a:endParaRPr lang="pt-BR"/>
           </a:p>
@@ -2907,7 +2917,7 @@
           <a:p>
             <a:fld id="{6F6C779E-BA6D-4C52-B755-DE0C5D29FB14}" type="datetimeFigureOut">
               <a:rPr lang="pt-BR" smtClean="0"/>
-              <a:t>29/11/2023</a:t>
+              <a:t>03/12/2023</a:t>
             </a:fld>
             <a:endParaRPr lang="pt-BR"/>
           </a:p>
@@ -3571,6 +3581,3777 @@
 </p:sld>
 </file>
 
+<file path=ppt/slides/slide5.xml><?xml version="1.0" encoding="utf-8"?>
+<p:sld xmlns:a="http://schemas.openxmlformats.org/drawingml/2006/main" xmlns:r="http://schemas.openxmlformats.org/officeDocument/2006/relationships" xmlns:p="http://schemas.openxmlformats.org/presentationml/2006/main">
+  <p:cSld>
+    <p:spTree>
+      <p:nvGrpSpPr>
+        <p:cNvPr id="1" name=""/>
+        <p:cNvGrpSpPr/>
+        <p:nvPr/>
+      </p:nvGrpSpPr>
+      <p:grpSpPr>
+        <a:xfrm>
+          <a:off x="0" y="0"/>
+          <a:ext cx="0" cy="0"/>
+          <a:chOff x="0" y="0"/>
+          <a:chExt cx="0" cy="0"/>
+        </a:xfrm>
+      </p:grpSpPr>
+      <p:pic>
+        <p:nvPicPr>
+          <p:cNvPr id="5" name="Imagem 4">
+            <a:extLst>
+              <a:ext uri="{FF2B5EF4-FFF2-40B4-BE49-F238E27FC236}">
+                <a16:creationId xmlns:a16="http://schemas.microsoft.com/office/drawing/2014/main" id="{6EF388AF-9290-4C96-B5A8-6969DD22E050}"/>
+              </a:ext>
+            </a:extLst>
+          </p:cNvPr>
+          <p:cNvPicPr>
+            <a:picLocks noChangeAspect="1"/>
+          </p:cNvPicPr>
+          <p:nvPr/>
+        </p:nvPicPr>
+        <p:blipFill>
+          <a:blip r:embed="rId2"/>
+          <a:stretch>
+            <a:fillRect/>
+          </a:stretch>
+        </p:blipFill>
+        <p:spPr>
+          <a:xfrm>
+            <a:off x="0" y="0"/>
+            <a:ext cx="12192000" cy="6858000"/>
+          </a:xfrm>
+          <a:prstGeom prst="rect">
+            <a:avLst/>
+          </a:prstGeom>
+        </p:spPr>
+      </p:pic>
+      <p:pic>
+        <p:nvPicPr>
+          <p:cNvPr id="8" name="Imagem 7">
+            <a:extLst>
+              <a:ext uri="{FF2B5EF4-FFF2-40B4-BE49-F238E27FC236}">
+                <a16:creationId xmlns:a16="http://schemas.microsoft.com/office/drawing/2014/main" id="{9273F23E-7945-8134-6830-A6ABC8035BFD}"/>
+              </a:ext>
+            </a:extLst>
+          </p:cNvPr>
+          <p:cNvPicPr>
+            <a:picLocks noChangeAspect="1"/>
+          </p:cNvPicPr>
+          <p:nvPr/>
+        </p:nvPicPr>
+        <p:blipFill>
+          <a:blip r:embed="rId3"/>
+          <a:stretch>
+            <a:fillRect/>
+          </a:stretch>
+        </p:blipFill>
+        <p:spPr>
+          <a:xfrm>
+            <a:off x="0" y="869727"/>
+            <a:ext cx="12192000" cy="5303103"/>
+          </a:xfrm>
+          <a:prstGeom prst="rect">
+            <a:avLst/>
+          </a:prstGeom>
+        </p:spPr>
+      </p:pic>
+      <p:sp>
+        <p:nvSpPr>
+          <p:cNvPr id="9" name="Retângulo 8">
+            <a:extLst>
+              <a:ext uri="{FF2B5EF4-FFF2-40B4-BE49-F238E27FC236}">
+                <a16:creationId xmlns:a16="http://schemas.microsoft.com/office/drawing/2014/main" id="{54316A82-C6A4-399B-4031-43B5F5BA7A7C}"/>
+              </a:ext>
+            </a:extLst>
+          </p:cNvPr>
+          <p:cNvSpPr/>
+          <p:nvPr/>
+        </p:nvSpPr>
+        <p:spPr>
+          <a:xfrm>
+            <a:off x="84905" y="1409350"/>
+            <a:ext cx="1233182" cy="914400"/>
+          </a:xfrm>
+          <a:prstGeom prst="rect">
+            <a:avLst/>
+          </a:prstGeom>
+          <a:solidFill>
+            <a:srgbClr val="E9E9E9"/>
+          </a:solidFill>
+          <a:ln>
+            <a:noFill/>
+          </a:ln>
+        </p:spPr>
+        <p:style>
+          <a:lnRef idx="2">
+            <a:schemeClr val="accent1">
+              <a:shade val="15000"/>
+            </a:schemeClr>
+          </a:lnRef>
+          <a:fillRef idx="1">
+            <a:schemeClr val="accent1"/>
+          </a:fillRef>
+          <a:effectRef idx="0">
+            <a:schemeClr val="accent1"/>
+          </a:effectRef>
+          <a:fontRef idx="minor">
+            <a:schemeClr val="lt1"/>
+          </a:fontRef>
+        </p:style>
+        <p:txBody>
+          <a:bodyPr rtlCol="0" anchor="ctr"/>
+          <a:lstStyle/>
+          <a:p>
+            <a:pPr marL="0" marR="0" lvl="0" indent="0" algn="ctr" defTabSz="914400" rtl="0" eaLnBrk="1" fontAlgn="auto" latinLnBrk="0" hangingPunct="1">
+              <a:lnSpc>
+                <a:spcPct val="100000"/>
+              </a:lnSpc>
+              <a:spcBef>
+                <a:spcPts val="0"/>
+              </a:spcBef>
+              <a:spcAft>
+                <a:spcPts val="0"/>
+              </a:spcAft>
+              <a:buClrTx/>
+              <a:buSzTx/>
+              <a:buFontTx/>
+              <a:buNone/>
+              <a:tabLst/>
+              <a:defRPr/>
+            </a:pPr>
+            <a:endParaRPr kumimoji="0" lang="pt-BR" sz="1800" b="0" i="0" u="none" strike="noStrike" kern="1200" cap="none" spc="0" normalizeH="0" baseline="0" noProof="0">
+              <a:ln>
+                <a:noFill/>
+              </a:ln>
+              <a:solidFill>
+                <a:prstClr val="white"/>
+              </a:solidFill>
+              <a:effectLst/>
+              <a:uLnTx/>
+              <a:uFillTx/>
+              <a:latin typeface="Calibri" panose="020F0502020204030204"/>
+              <a:ea typeface="+mn-ea"/>
+              <a:cs typeface="+mn-cs"/>
+            </a:endParaRPr>
+          </a:p>
+        </p:txBody>
+      </p:sp>
+      <p:sp>
+        <p:nvSpPr>
+          <p:cNvPr id="10" name="Retângulo 9">
+            <a:extLst>
+              <a:ext uri="{FF2B5EF4-FFF2-40B4-BE49-F238E27FC236}">
+                <a16:creationId xmlns:a16="http://schemas.microsoft.com/office/drawing/2014/main" id="{D81E6AC0-79DA-8F6C-F4FA-C51A6930BD3E}"/>
+              </a:ext>
+            </a:extLst>
+          </p:cNvPr>
+          <p:cNvSpPr/>
+          <p:nvPr/>
+        </p:nvSpPr>
+        <p:spPr>
+          <a:xfrm>
+            <a:off x="83890" y="3193477"/>
+            <a:ext cx="1233182" cy="914400"/>
+          </a:xfrm>
+          <a:prstGeom prst="rect">
+            <a:avLst/>
+          </a:prstGeom>
+          <a:solidFill>
+            <a:srgbClr val="E9E9E9"/>
+          </a:solidFill>
+          <a:ln>
+            <a:noFill/>
+          </a:ln>
+        </p:spPr>
+        <p:style>
+          <a:lnRef idx="2">
+            <a:schemeClr val="accent1">
+              <a:shade val="15000"/>
+            </a:schemeClr>
+          </a:lnRef>
+          <a:fillRef idx="1">
+            <a:schemeClr val="accent1"/>
+          </a:fillRef>
+          <a:effectRef idx="0">
+            <a:schemeClr val="accent1"/>
+          </a:effectRef>
+          <a:fontRef idx="minor">
+            <a:schemeClr val="lt1"/>
+          </a:fontRef>
+        </p:style>
+        <p:txBody>
+          <a:bodyPr rtlCol="0" anchor="ctr"/>
+          <a:lstStyle/>
+          <a:p>
+            <a:pPr marL="0" marR="0" lvl="0" indent="0" algn="ctr" defTabSz="914400" rtl="0" eaLnBrk="1" fontAlgn="auto" latinLnBrk="0" hangingPunct="1">
+              <a:lnSpc>
+                <a:spcPct val="100000"/>
+              </a:lnSpc>
+              <a:spcBef>
+                <a:spcPts val="0"/>
+              </a:spcBef>
+              <a:spcAft>
+                <a:spcPts val="0"/>
+              </a:spcAft>
+              <a:buClrTx/>
+              <a:buSzTx/>
+              <a:buFontTx/>
+              <a:buNone/>
+              <a:tabLst/>
+              <a:defRPr/>
+            </a:pPr>
+            <a:endParaRPr kumimoji="0" lang="pt-BR" sz="1800" b="0" i="0" u="none" strike="noStrike" kern="1200" cap="none" spc="0" normalizeH="0" baseline="0" noProof="0">
+              <a:ln>
+                <a:noFill/>
+              </a:ln>
+              <a:solidFill>
+                <a:prstClr val="white"/>
+              </a:solidFill>
+              <a:effectLst/>
+              <a:uLnTx/>
+              <a:uFillTx/>
+              <a:latin typeface="Calibri" panose="020F0502020204030204"/>
+              <a:ea typeface="+mn-ea"/>
+              <a:cs typeface="+mn-cs"/>
+            </a:endParaRPr>
+          </a:p>
+        </p:txBody>
+      </p:sp>
+      <p:sp>
+        <p:nvSpPr>
+          <p:cNvPr id="11" name="Retângulo 10">
+            <a:extLst>
+              <a:ext uri="{FF2B5EF4-FFF2-40B4-BE49-F238E27FC236}">
+                <a16:creationId xmlns:a16="http://schemas.microsoft.com/office/drawing/2014/main" id="{B0DF43C8-64AE-113B-DB7D-E143AED995C6}"/>
+              </a:ext>
+            </a:extLst>
+          </p:cNvPr>
+          <p:cNvSpPr/>
+          <p:nvPr/>
+        </p:nvSpPr>
+        <p:spPr>
+          <a:xfrm>
+            <a:off x="83890" y="4937125"/>
+            <a:ext cx="1233182" cy="914400"/>
+          </a:xfrm>
+          <a:prstGeom prst="rect">
+            <a:avLst/>
+          </a:prstGeom>
+          <a:solidFill>
+            <a:srgbClr val="E9E9E9"/>
+          </a:solidFill>
+          <a:ln>
+            <a:noFill/>
+          </a:ln>
+        </p:spPr>
+        <p:style>
+          <a:lnRef idx="2">
+            <a:schemeClr val="accent1">
+              <a:shade val="15000"/>
+            </a:schemeClr>
+          </a:lnRef>
+          <a:fillRef idx="1">
+            <a:schemeClr val="accent1"/>
+          </a:fillRef>
+          <a:effectRef idx="0">
+            <a:schemeClr val="accent1"/>
+          </a:effectRef>
+          <a:fontRef idx="minor">
+            <a:schemeClr val="lt1"/>
+          </a:fontRef>
+        </p:style>
+        <p:txBody>
+          <a:bodyPr rtlCol="0" anchor="ctr"/>
+          <a:lstStyle/>
+          <a:p>
+            <a:pPr marL="0" marR="0" lvl="0" indent="0" algn="ctr" defTabSz="914400" rtl="0" eaLnBrk="1" fontAlgn="auto" latinLnBrk="0" hangingPunct="1">
+              <a:lnSpc>
+                <a:spcPct val="100000"/>
+              </a:lnSpc>
+              <a:spcBef>
+                <a:spcPts val="0"/>
+              </a:spcBef>
+              <a:spcAft>
+                <a:spcPts val="0"/>
+              </a:spcAft>
+              <a:buClrTx/>
+              <a:buSzTx/>
+              <a:buFontTx/>
+              <a:buNone/>
+              <a:tabLst/>
+              <a:defRPr/>
+            </a:pPr>
+            <a:endParaRPr kumimoji="0" lang="pt-BR" sz="1800" b="0" i="0" u="none" strike="noStrike" kern="1200" cap="none" spc="0" normalizeH="0" baseline="0" noProof="0">
+              <a:ln>
+                <a:noFill/>
+              </a:ln>
+              <a:solidFill>
+                <a:prstClr val="white"/>
+              </a:solidFill>
+              <a:effectLst/>
+              <a:uLnTx/>
+              <a:uFillTx/>
+              <a:latin typeface="Calibri" panose="020F0502020204030204"/>
+              <a:ea typeface="+mn-ea"/>
+              <a:cs typeface="+mn-cs"/>
+            </a:endParaRPr>
+          </a:p>
+        </p:txBody>
+      </p:sp>
+      <p:sp>
+        <p:nvSpPr>
+          <p:cNvPr id="12" name="Retângulo 11">
+            <a:extLst>
+              <a:ext uri="{FF2B5EF4-FFF2-40B4-BE49-F238E27FC236}">
+                <a16:creationId xmlns:a16="http://schemas.microsoft.com/office/drawing/2014/main" id="{E13FE9C9-86AC-B2FF-5426-86E3B7AE28EB}"/>
+              </a:ext>
+            </a:extLst>
+          </p:cNvPr>
+          <p:cNvSpPr/>
+          <p:nvPr/>
+        </p:nvSpPr>
+        <p:spPr>
+          <a:xfrm>
+            <a:off x="10529582" y="960538"/>
+            <a:ext cx="1596851" cy="130031"/>
+          </a:xfrm>
+          <a:prstGeom prst="rect">
+            <a:avLst/>
+          </a:prstGeom>
+          <a:solidFill>
+            <a:srgbClr val="E9E9E9"/>
+          </a:solidFill>
+          <a:ln>
+            <a:noFill/>
+          </a:ln>
+        </p:spPr>
+        <p:style>
+          <a:lnRef idx="2">
+            <a:schemeClr val="accent1">
+              <a:shade val="15000"/>
+            </a:schemeClr>
+          </a:lnRef>
+          <a:fillRef idx="1">
+            <a:schemeClr val="accent1"/>
+          </a:fillRef>
+          <a:effectRef idx="0">
+            <a:schemeClr val="accent1"/>
+          </a:effectRef>
+          <a:fontRef idx="minor">
+            <a:schemeClr val="lt1"/>
+          </a:fontRef>
+        </p:style>
+        <p:txBody>
+          <a:bodyPr rtlCol="0" anchor="ctr"/>
+          <a:lstStyle/>
+          <a:p>
+            <a:pPr marL="0" marR="0" lvl="0" indent="0" algn="ctr" defTabSz="914400" rtl="0" eaLnBrk="1" fontAlgn="auto" latinLnBrk="0" hangingPunct="1">
+              <a:lnSpc>
+                <a:spcPct val="100000"/>
+              </a:lnSpc>
+              <a:spcBef>
+                <a:spcPts val="0"/>
+              </a:spcBef>
+              <a:spcAft>
+                <a:spcPts val="0"/>
+              </a:spcAft>
+              <a:buClrTx/>
+              <a:buSzTx/>
+              <a:buFontTx/>
+              <a:buNone/>
+              <a:tabLst/>
+              <a:defRPr/>
+            </a:pPr>
+            <a:endParaRPr kumimoji="0" lang="pt-BR" sz="1800" b="0" i="0" u="none" strike="noStrike" kern="1200" cap="none" spc="0" normalizeH="0" baseline="0" noProof="0">
+              <a:ln>
+                <a:noFill/>
+              </a:ln>
+              <a:solidFill>
+                <a:prstClr val="white"/>
+              </a:solidFill>
+              <a:effectLst/>
+              <a:uLnTx/>
+              <a:uFillTx/>
+              <a:latin typeface="Calibri" panose="020F0502020204030204"/>
+              <a:ea typeface="+mn-ea"/>
+              <a:cs typeface="+mn-cs"/>
+            </a:endParaRPr>
+          </a:p>
+        </p:txBody>
+      </p:sp>
+      <p:sp>
+        <p:nvSpPr>
+          <p:cNvPr id="13" name="Retângulo 12">
+            <a:extLst>
+              <a:ext uri="{FF2B5EF4-FFF2-40B4-BE49-F238E27FC236}">
+                <a16:creationId xmlns:a16="http://schemas.microsoft.com/office/drawing/2014/main" id="{B49E3AAE-9A02-DF7C-ACC5-577130EAA248}"/>
+              </a:ext>
+            </a:extLst>
+          </p:cNvPr>
+          <p:cNvSpPr/>
+          <p:nvPr/>
+        </p:nvSpPr>
+        <p:spPr>
+          <a:xfrm>
+            <a:off x="10539057" y="1253417"/>
+            <a:ext cx="1587375" cy="155933"/>
+          </a:xfrm>
+          <a:prstGeom prst="rect">
+            <a:avLst/>
+          </a:prstGeom>
+          <a:solidFill>
+            <a:srgbClr val="E9E9E9"/>
+          </a:solidFill>
+          <a:ln>
+            <a:noFill/>
+          </a:ln>
+        </p:spPr>
+        <p:style>
+          <a:lnRef idx="2">
+            <a:schemeClr val="accent1">
+              <a:shade val="15000"/>
+            </a:schemeClr>
+          </a:lnRef>
+          <a:fillRef idx="1">
+            <a:schemeClr val="accent1"/>
+          </a:fillRef>
+          <a:effectRef idx="0">
+            <a:schemeClr val="accent1"/>
+          </a:effectRef>
+          <a:fontRef idx="minor">
+            <a:schemeClr val="lt1"/>
+          </a:fontRef>
+        </p:style>
+        <p:txBody>
+          <a:bodyPr rtlCol="0" anchor="ctr"/>
+          <a:lstStyle/>
+          <a:p>
+            <a:pPr marL="0" marR="0" lvl="0" indent="0" algn="ctr" defTabSz="914400" rtl="0" eaLnBrk="1" fontAlgn="auto" latinLnBrk="0" hangingPunct="1">
+              <a:lnSpc>
+                <a:spcPct val="100000"/>
+              </a:lnSpc>
+              <a:spcBef>
+                <a:spcPts val="0"/>
+              </a:spcBef>
+              <a:spcAft>
+                <a:spcPts val="0"/>
+              </a:spcAft>
+              <a:buClrTx/>
+              <a:buSzTx/>
+              <a:buFontTx/>
+              <a:buNone/>
+              <a:tabLst/>
+              <a:defRPr/>
+            </a:pPr>
+            <a:endParaRPr kumimoji="0" lang="pt-BR" sz="1800" b="0" i="0" u="none" strike="noStrike" kern="1200" cap="none" spc="0" normalizeH="0" baseline="0" noProof="0">
+              <a:ln>
+                <a:noFill/>
+              </a:ln>
+              <a:solidFill>
+                <a:prstClr val="white"/>
+              </a:solidFill>
+              <a:effectLst/>
+              <a:uLnTx/>
+              <a:uFillTx/>
+              <a:latin typeface="Calibri" panose="020F0502020204030204"/>
+              <a:ea typeface="+mn-ea"/>
+              <a:cs typeface="+mn-cs"/>
+            </a:endParaRPr>
+          </a:p>
+        </p:txBody>
+      </p:sp>
+      <p:sp>
+        <p:nvSpPr>
+          <p:cNvPr id="15" name="Retângulo 14">
+            <a:extLst>
+              <a:ext uri="{FF2B5EF4-FFF2-40B4-BE49-F238E27FC236}">
+                <a16:creationId xmlns:a16="http://schemas.microsoft.com/office/drawing/2014/main" id="{6544ED14-F926-D6D0-2BC5-F9175D0812E5}"/>
+              </a:ext>
+            </a:extLst>
+          </p:cNvPr>
+          <p:cNvSpPr/>
+          <p:nvPr/>
+        </p:nvSpPr>
+        <p:spPr>
+          <a:xfrm>
+            <a:off x="10648817" y="1546296"/>
+            <a:ext cx="1371289" cy="155933"/>
+          </a:xfrm>
+          <a:prstGeom prst="rect">
+            <a:avLst/>
+          </a:prstGeom>
+          <a:solidFill>
+            <a:srgbClr val="E9E9E9"/>
+          </a:solidFill>
+          <a:ln>
+            <a:noFill/>
+          </a:ln>
+        </p:spPr>
+        <p:style>
+          <a:lnRef idx="2">
+            <a:schemeClr val="accent1">
+              <a:shade val="15000"/>
+            </a:schemeClr>
+          </a:lnRef>
+          <a:fillRef idx="1">
+            <a:schemeClr val="accent1"/>
+          </a:fillRef>
+          <a:effectRef idx="0">
+            <a:schemeClr val="accent1"/>
+          </a:effectRef>
+          <a:fontRef idx="minor">
+            <a:schemeClr val="lt1"/>
+          </a:fontRef>
+        </p:style>
+        <p:txBody>
+          <a:bodyPr rtlCol="0" anchor="ctr"/>
+          <a:lstStyle/>
+          <a:p>
+            <a:pPr marL="0" marR="0" lvl="0" indent="0" algn="ctr" defTabSz="914400" rtl="0" eaLnBrk="1" fontAlgn="auto" latinLnBrk="0" hangingPunct="1">
+              <a:lnSpc>
+                <a:spcPct val="100000"/>
+              </a:lnSpc>
+              <a:spcBef>
+                <a:spcPts val="0"/>
+              </a:spcBef>
+              <a:spcAft>
+                <a:spcPts val="0"/>
+              </a:spcAft>
+              <a:buClrTx/>
+              <a:buSzTx/>
+              <a:buFontTx/>
+              <a:buNone/>
+              <a:tabLst/>
+              <a:defRPr/>
+            </a:pPr>
+            <a:endParaRPr kumimoji="0" lang="pt-BR" sz="1800" b="0" i="0" u="none" strike="noStrike" kern="1200" cap="none" spc="0" normalizeH="0" baseline="0" noProof="0">
+              <a:ln>
+                <a:noFill/>
+              </a:ln>
+              <a:solidFill>
+                <a:prstClr val="white"/>
+              </a:solidFill>
+              <a:effectLst/>
+              <a:uLnTx/>
+              <a:uFillTx/>
+              <a:latin typeface="Calibri" panose="020F0502020204030204"/>
+              <a:ea typeface="+mn-ea"/>
+              <a:cs typeface="+mn-cs"/>
+            </a:endParaRPr>
+          </a:p>
+        </p:txBody>
+      </p:sp>
+      <p:sp>
+        <p:nvSpPr>
+          <p:cNvPr id="16" name="Retângulo 15">
+            <a:extLst>
+              <a:ext uri="{FF2B5EF4-FFF2-40B4-BE49-F238E27FC236}">
+                <a16:creationId xmlns:a16="http://schemas.microsoft.com/office/drawing/2014/main" id="{F70EA942-8400-7612-BA01-80A281A46B5F}"/>
+              </a:ext>
+            </a:extLst>
+          </p:cNvPr>
+          <p:cNvSpPr/>
+          <p:nvPr/>
+        </p:nvSpPr>
+        <p:spPr>
+          <a:xfrm>
+            <a:off x="10715146" y="1830265"/>
+            <a:ext cx="1304959" cy="155933"/>
+          </a:xfrm>
+          <a:prstGeom prst="rect">
+            <a:avLst/>
+          </a:prstGeom>
+          <a:solidFill>
+            <a:srgbClr val="E9E9E9"/>
+          </a:solidFill>
+          <a:ln>
+            <a:noFill/>
+          </a:ln>
+        </p:spPr>
+        <p:style>
+          <a:lnRef idx="2">
+            <a:schemeClr val="accent1">
+              <a:shade val="15000"/>
+            </a:schemeClr>
+          </a:lnRef>
+          <a:fillRef idx="1">
+            <a:schemeClr val="accent1"/>
+          </a:fillRef>
+          <a:effectRef idx="0">
+            <a:schemeClr val="accent1"/>
+          </a:effectRef>
+          <a:fontRef idx="minor">
+            <a:schemeClr val="lt1"/>
+          </a:fontRef>
+        </p:style>
+        <p:txBody>
+          <a:bodyPr rtlCol="0" anchor="ctr"/>
+          <a:lstStyle/>
+          <a:p>
+            <a:pPr marL="0" marR="0" lvl="0" indent="0" algn="ctr" defTabSz="914400" rtl="0" eaLnBrk="1" fontAlgn="auto" latinLnBrk="0" hangingPunct="1">
+              <a:lnSpc>
+                <a:spcPct val="100000"/>
+              </a:lnSpc>
+              <a:spcBef>
+                <a:spcPts val="0"/>
+              </a:spcBef>
+              <a:spcAft>
+                <a:spcPts val="0"/>
+              </a:spcAft>
+              <a:buClrTx/>
+              <a:buSzTx/>
+              <a:buFontTx/>
+              <a:buNone/>
+              <a:tabLst/>
+              <a:defRPr/>
+            </a:pPr>
+            <a:endParaRPr kumimoji="0" lang="pt-BR" sz="1800" b="0" i="0" u="none" strike="noStrike" kern="1200" cap="none" spc="0" normalizeH="0" baseline="0" noProof="0">
+              <a:ln>
+                <a:noFill/>
+              </a:ln>
+              <a:solidFill>
+                <a:prstClr val="white"/>
+              </a:solidFill>
+              <a:effectLst/>
+              <a:uLnTx/>
+              <a:uFillTx/>
+              <a:latin typeface="Calibri" panose="020F0502020204030204"/>
+              <a:ea typeface="+mn-ea"/>
+              <a:cs typeface="+mn-cs"/>
+            </a:endParaRPr>
+          </a:p>
+        </p:txBody>
+      </p:sp>
+      <p:sp>
+        <p:nvSpPr>
+          <p:cNvPr id="17" name="Retângulo 16">
+            <a:extLst>
+              <a:ext uri="{FF2B5EF4-FFF2-40B4-BE49-F238E27FC236}">
+                <a16:creationId xmlns:a16="http://schemas.microsoft.com/office/drawing/2014/main" id="{FF81817A-BE7A-4215-8FD6-A98886CDEEA3}"/>
+              </a:ext>
+            </a:extLst>
+          </p:cNvPr>
+          <p:cNvSpPr/>
+          <p:nvPr/>
+        </p:nvSpPr>
+        <p:spPr>
+          <a:xfrm>
+            <a:off x="10820169" y="2123144"/>
+            <a:ext cx="1034075" cy="155933"/>
+          </a:xfrm>
+          <a:prstGeom prst="rect">
+            <a:avLst/>
+          </a:prstGeom>
+          <a:solidFill>
+            <a:srgbClr val="E9E9E9"/>
+          </a:solidFill>
+          <a:ln>
+            <a:noFill/>
+          </a:ln>
+        </p:spPr>
+        <p:style>
+          <a:lnRef idx="2">
+            <a:schemeClr val="accent1">
+              <a:shade val="15000"/>
+            </a:schemeClr>
+          </a:lnRef>
+          <a:fillRef idx="1">
+            <a:schemeClr val="accent1"/>
+          </a:fillRef>
+          <a:effectRef idx="0">
+            <a:schemeClr val="accent1"/>
+          </a:effectRef>
+          <a:fontRef idx="minor">
+            <a:schemeClr val="lt1"/>
+          </a:fontRef>
+        </p:style>
+        <p:txBody>
+          <a:bodyPr rtlCol="0" anchor="ctr"/>
+          <a:lstStyle/>
+          <a:p>
+            <a:pPr marL="0" marR="0" lvl="0" indent="0" algn="ctr" defTabSz="914400" rtl="0" eaLnBrk="1" fontAlgn="auto" latinLnBrk="0" hangingPunct="1">
+              <a:lnSpc>
+                <a:spcPct val="100000"/>
+              </a:lnSpc>
+              <a:spcBef>
+                <a:spcPts val="0"/>
+              </a:spcBef>
+              <a:spcAft>
+                <a:spcPts val="0"/>
+              </a:spcAft>
+              <a:buClrTx/>
+              <a:buSzTx/>
+              <a:buFontTx/>
+              <a:buNone/>
+              <a:tabLst/>
+              <a:defRPr/>
+            </a:pPr>
+            <a:endParaRPr kumimoji="0" lang="pt-BR" sz="1800" b="0" i="0" u="none" strike="noStrike" kern="1200" cap="none" spc="0" normalizeH="0" baseline="0" noProof="0">
+              <a:ln>
+                <a:noFill/>
+              </a:ln>
+              <a:solidFill>
+                <a:prstClr val="white"/>
+              </a:solidFill>
+              <a:effectLst/>
+              <a:uLnTx/>
+              <a:uFillTx/>
+              <a:latin typeface="Calibri" panose="020F0502020204030204"/>
+              <a:ea typeface="+mn-ea"/>
+              <a:cs typeface="+mn-cs"/>
+            </a:endParaRPr>
+          </a:p>
+        </p:txBody>
+      </p:sp>
+      <p:sp>
+        <p:nvSpPr>
+          <p:cNvPr id="18" name="Retângulo 17">
+            <a:extLst>
+              <a:ext uri="{FF2B5EF4-FFF2-40B4-BE49-F238E27FC236}">
+                <a16:creationId xmlns:a16="http://schemas.microsoft.com/office/drawing/2014/main" id="{E3D52EE9-2F63-4106-5324-3704E3A19657}"/>
+              </a:ext>
+            </a:extLst>
+          </p:cNvPr>
+          <p:cNvSpPr/>
+          <p:nvPr/>
+        </p:nvSpPr>
+        <p:spPr>
+          <a:xfrm>
+            <a:off x="10529582" y="2424167"/>
+            <a:ext cx="1587375" cy="155933"/>
+          </a:xfrm>
+          <a:prstGeom prst="rect">
+            <a:avLst/>
+          </a:prstGeom>
+          <a:solidFill>
+            <a:srgbClr val="E9E9E9"/>
+          </a:solidFill>
+          <a:ln>
+            <a:noFill/>
+          </a:ln>
+        </p:spPr>
+        <p:style>
+          <a:lnRef idx="2">
+            <a:schemeClr val="accent1">
+              <a:shade val="15000"/>
+            </a:schemeClr>
+          </a:lnRef>
+          <a:fillRef idx="1">
+            <a:schemeClr val="accent1"/>
+          </a:fillRef>
+          <a:effectRef idx="0">
+            <a:schemeClr val="accent1"/>
+          </a:effectRef>
+          <a:fontRef idx="minor">
+            <a:schemeClr val="lt1"/>
+          </a:fontRef>
+        </p:style>
+        <p:txBody>
+          <a:bodyPr rtlCol="0" anchor="ctr"/>
+          <a:lstStyle/>
+          <a:p>
+            <a:pPr marL="0" marR="0" lvl="0" indent="0" algn="ctr" defTabSz="914400" rtl="0" eaLnBrk="1" fontAlgn="auto" latinLnBrk="0" hangingPunct="1">
+              <a:lnSpc>
+                <a:spcPct val="100000"/>
+              </a:lnSpc>
+              <a:spcBef>
+                <a:spcPts val="0"/>
+              </a:spcBef>
+              <a:spcAft>
+                <a:spcPts val="0"/>
+              </a:spcAft>
+              <a:buClrTx/>
+              <a:buSzTx/>
+              <a:buFontTx/>
+              <a:buNone/>
+              <a:tabLst/>
+              <a:defRPr/>
+            </a:pPr>
+            <a:endParaRPr kumimoji="0" lang="pt-BR" sz="1800" b="0" i="0" u="none" strike="noStrike" kern="1200" cap="none" spc="0" normalizeH="0" baseline="0" noProof="0">
+              <a:ln>
+                <a:noFill/>
+              </a:ln>
+              <a:solidFill>
+                <a:prstClr val="white"/>
+              </a:solidFill>
+              <a:effectLst/>
+              <a:uLnTx/>
+              <a:uFillTx/>
+              <a:latin typeface="Calibri" panose="020F0502020204030204"/>
+              <a:ea typeface="+mn-ea"/>
+              <a:cs typeface="+mn-cs"/>
+            </a:endParaRPr>
+          </a:p>
+        </p:txBody>
+      </p:sp>
+      <p:sp>
+        <p:nvSpPr>
+          <p:cNvPr id="19" name="Retângulo 18">
+            <a:extLst>
+              <a:ext uri="{FF2B5EF4-FFF2-40B4-BE49-F238E27FC236}">
+                <a16:creationId xmlns:a16="http://schemas.microsoft.com/office/drawing/2014/main" id="{2D0ECA80-4C20-90A7-B8D3-2BB3AD6F1D9F}"/>
+              </a:ext>
+            </a:extLst>
+          </p:cNvPr>
+          <p:cNvSpPr/>
+          <p:nvPr/>
+        </p:nvSpPr>
+        <p:spPr>
+          <a:xfrm>
+            <a:off x="10539058" y="2724420"/>
+            <a:ext cx="1587374" cy="155933"/>
+          </a:xfrm>
+          <a:prstGeom prst="rect">
+            <a:avLst/>
+          </a:prstGeom>
+          <a:solidFill>
+            <a:srgbClr val="E9E9E9"/>
+          </a:solidFill>
+          <a:ln>
+            <a:noFill/>
+          </a:ln>
+        </p:spPr>
+        <p:style>
+          <a:lnRef idx="2">
+            <a:schemeClr val="accent1">
+              <a:shade val="15000"/>
+            </a:schemeClr>
+          </a:lnRef>
+          <a:fillRef idx="1">
+            <a:schemeClr val="accent1"/>
+          </a:fillRef>
+          <a:effectRef idx="0">
+            <a:schemeClr val="accent1"/>
+          </a:effectRef>
+          <a:fontRef idx="minor">
+            <a:schemeClr val="lt1"/>
+          </a:fontRef>
+        </p:style>
+        <p:txBody>
+          <a:bodyPr rtlCol="0" anchor="ctr"/>
+          <a:lstStyle/>
+          <a:p>
+            <a:pPr marL="0" marR="0" lvl="0" indent="0" algn="ctr" defTabSz="914400" rtl="0" eaLnBrk="1" fontAlgn="auto" latinLnBrk="0" hangingPunct="1">
+              <a:lnSpc>
+                <a:spcPct val="100000"/>
+              </a:lnSpc>
+              <a:spcBef>
+                <a:spcPts val="0"/>
+              </a:spcBef>
+              <a:spcAft>
+                <a:spcPts val="0"/>
+              </a:spcAft>
+              <a:buClrTx/>
+              <a:buSzTx/>
+              <a:buFontTx/>
+              <a:buNone/>
+              <a:tabLst/>
+              <a:defRPr/>
+            </a:pPr>
+            <a:endParaRPr kumimoji="0" lang="pt-BR" sz="1800" b="0" i="0" u="none" strike="noStrike" kern="1200" cap="none" spc="0" normalizeH="0" baseline="0" noProof="0">
+              <a:ln>
+                <a:noFill/>
+              </a:ln>
+              <a:solidFill>
+                <a:prstClr val="white"/>
+              </a:solidFill>
+              <a:effectLst/>
+              <a:uLnTx/>
+              <a:uFillTx/>
+              <a:latin typeface="Calibri" panose="020F0502020204030204"/>
+              <a:ea typeface="+mn-ea"/>
+              <a:cs typeface="+mn-cs"/>
+            </a:endParaRPr>
+          </a:p>
+        </p:txBody>
+      </p:sp>
+      <p:sp>
+        <p:nvSpPr>
+          <p:cNvPr id="20" name="Retângulo 19">
+            <a:extLst>
+              <a:ext uri="{FF2B5EF4-FFF2-40B4-BE49-F238E27FC236}">
+                <a16:creationId xmlns:a16="http://schemas.microsoft.com/office/drawing/2014/main" id="{02C5B580-8E22-A495-A3B8-762DD5092793}"/>
+              </a:ext>
+            </a:extLst>
+          </p:cNvPr>
+          <p:cNvSpPr/>
+          <p:nvPr/>
+        </p:nvSpPr>
+        <p:spPr>
+          <a:xfrm>
+            <a:off x="10648817" y="3008389"/>
+            <a:ext cx="1361813" cy="155933"/>
+          </a:xfrm>
+          <a:prstGeom prst="rect">
+            <a:avLst/>
+          </a:prstGeom>
+          <a:solidFill>
+            <a:srgbClr val="E9E9E9"/>
+          </a:solidFill>
+          <a:ln>
+            <a:noFill/>
+          </a:ln>
+        </p:spPr>
+        <p:style>
+          <a:lnRef idx="2">
+            <a:schemeClr val="accent1">
+              <a:shade val="15000"/>
+            </a:schemeClr>
+          </a:lnRef>
+          <a:fillRef idx="1">
+            <a:schemeClr val="accent1"/>
+          </a:fillRef>
+          <a:effectRef idx="0">
+            <a:schemeClr val="accent1"/>
+          </a:effectRef>
+          <a:fontRef idx="minor">
+            <a:schemeClr val="lt1"/>
+          </a:fontRef>
+        </p:style>
+        <p:txBody>
+          <a:bodyPr rtlCol="0" anchor="ctr"/>
+          <a:lstStyle/>
+          <a:p>
+            <a:pPr marL="0" marR="0" lvl="0" indent="0" algn="ctr" defTabSz="914400" rtl="0" eaLnBrk="1" fontAlgn="auto" latinLnBrk="0" hangingPunct="1">
+              <a:lnSpc>
+                <a:spcPct val="100000"/>
+              </a:lnSpc>
+              <a:spcBef>
+                <a:spcPts val="0"/>
+              </a:spcBef>
+              <a:spcAft>
+                <a:spcPts val="0"/>
+              </a:spcAft>
+              <a:buClrTx/>
+              <a:buSzTx/>
+              <a:buFontTx/>
+              <a:buNone/>
+              <a:tabLst/>
+              <a:defRPr/>
+            </a:pPr>
+            <a:endParaRPr kumimoji="0" lang="pt-BR" sz="1800" b="0" i="0" u="none" strike="noStrike" kern="1200" cap="none" spc="0" normalizeH="0" baseline="0" noProof="0">
+              <a:ln>
+                <a:noFill/>
+              </a:ln>
+              <a:solidFill>
+                <a:prstClr val="white"/>
+              </a:solidFill>
+              <a:effectLst/>
+              <a:uLnTx/>
+              <a:uFillTx/>
+              <a:latin typeface="Calibri" panose="020F0502020204030204"/>
+              <a:ea typeface="+mn-ea"/>
+              <a:cs typeface="+mn-cs"/>
+            </a:endParaRPr>
+          </a:p>
+        </p:txBody>
+      </p:sp>
+      <p:sp>
+        <p:nvSpPr>
+          <p:cNvPr id="21" name="Retângulo 20">
+            <a:extLst>
+              <a:ext uri="{FF2B5EF4-FFF2-40B4-BE49-F238E27FC236}">
+                <a16:creationId xmlns:a16="http://schemas.microsoft.com/office/drawing/2014/main" id="{17A06C30-17FB-2E19-BA35-6A4512A47ACF}"/>
+              </a:ext>
+            </a:extLst>
+          </p:cNvPr>
+          <p:cNvSpPr/>
+          <p:nvPr/>
+        </p:nvSpPr>
+        <p:spPr>
+          <a:xfrm>
+            <a:off x="10561579" y="3298405"/>
+            <a:ext cx="1555378" cy="155933"/>
+          </a:xfrm>
+          <a:prstGeom prst="rect">
+            <a:avLst/>
+          </a:prstGeom>
+          <a:solidFill>
+            <a:srgbClr val="E9E9E9"/>
+          </a:solidFill>
+          <a:ln>
+            <a:noFill/>
+          </a:ln>
+        </p:spPr>
+        <p:style>
+          <a:lnRef idx="2">
+            <a:schemeClr val="accent1">
+              <a:shade val="15000"/>
+            </a:schemeClr>
+          </a:lnRef>
+          <a:fillRef idx="1">
+            <a:schemeClr val="accent1"/>
+          </a:fillRef>
+          <a:effectRef idx="0">
+            <a:schemeClr val="accent1"/>
+          </a:effectRef>
+          <a:fontRef idx="minor">
+            <a:schemeClr val="lt1"/>
+          </a:fontRef>
+        </p:style>
+        <p:txBody>
+          <a:bodyPr rtlCol="0" anchor="ctr"/>
+          <a:lstStyle/>
+          <a:p>
+            <a:pPr marL="0" marR="0" lvl="0" indent="0" algn="ctr" defTabSz="914400" rtl="0" eaLnBrk="1" fontAlgn="auto" latinLnBrk="0" hangingPunct="1">
+              <a:lnSpc>
+                <a:spcPct val="100000"/>
+              </a:lnSpc>
+              <a:spcBef>
+                <a:spcPts val="0"/>
+              </a:spcBef>
+              <a:spcAft>
+                <a:spcPts val="0"/>
+              </a:spcAft>
+              <a:buClrTx/>
+              <a:buSzTx/>
+              <a:buFontTx/>
+              <a:buNone/>
+              <a:tabLst/>
+              <a:defRPr/>
+            </a:pPr>
+            <a:endParaRPr kumimoji="0" lang="pt-BR" sz="1800" b="0" i="0" u="none" strike="noStrike" kern="1200" cap="none" spc="0" normalizeH="0" baseline="0" noProof="0">
+              <a:ln>
+                <a:noFill/>
+              </a:ln>
+              <a:solidFill>
+                <a:prstClr val="white"/>
+              </a:solidFill>
+              <a:effectLst/>
+              <a:uLnTx/>
+              <a:uFillTx/>
+              <a:latin typeface="Calibri" panose="020F0502020204030204"/>
+              <a:ea typeface="+mn-ea"/>
+              <a:cs typeface="+mn-cs"/>
+            </a:endParaRPr>
+          </a:p>
+        </p:txBody>
+      </p:sp>
+      <p:sp>
+        <p:nvSpPr>
+          <p:cNvPr id="22" name="Retângulo 21">
+            <a:extLst>
+              <a:ext uri="{FF2B5EF4-FFF2-40B4-BE49-F238E27FC236}">
+                <a16:creationId xmlns:a16="http://schemas.microsoft.com/office/drawing/2014/main" id="{3319B2E0-E08C-DCB3-26CA-4FB4B7A94A87}"/>
+              </a:ext>
+            </a:extLst>
+          </p:cNvPr>
+          <p:cNvSpPr/>
+          <p:nvPr/>
+        </p:nvSpPr>
+        <p:spPr>
+          <a:xfrm>
+            <a:off x="10561578" y="3591284"/>
+            <a:ext cx="1449051" cy="155933"/>
+          </a:xfrm>
+          <a:prstGeom prst="rect">
+            <a:avLst/>
+          </a:prstGeom>
+          <a:solidFill>
+            <a:srgbClr val="E9E9E9"/>
+          </a:solidFill>
+          <a:ln>
+            <a:noFill/>
+          </a:ln>
+        </p:spPr>
+        <p:style>
+          <a:lnRef idx="2">
+            <a:schemeClr val="accent1">
+              <a:shade val="15000"/>
+            </a:schemeClr>
+          </a:lnRef>
+          <a:fillRef idx="1">
+            <a:schemeClr val="accent1"/>
+          </a:fillRef>
+          <a:effectRef idx="0">
+            <a:schemeClr val="accent1"/>
+          </a:effectRef>
+          <a:fontRef idx="minor">
+            <a:schemeClr val="lt1"/>
+          </a:fontRef>
+        </p:style>
+        <p:txBody>
+          <a:bodyPr rtlCol="0" anchor="ctr"/>
+          <a:lstStyle/>
+          <a:p>
+            <a:pPr marL="0" marR="0" lvl="0" indent="0" algn="ctr" defTabSz="914400" rtl="0" eaLnBrk="1" fontAlgn="auto" latinLnBrk="0" hangingPunct="1">
+              <a:lnSpc>
+                <a:spcPct val="100000"/>
+              </a:lnSpc>
+              <a:spcBef>
+                <a:spcPts val="0"/>
+              </a:spcBef>
+              <a:spcAft>
+                <a:spcPts val="0"/>
+              </a:spcAft>
+              <a:buClrTx/>
+              <a:buSzTx/>
+              <a:buFontTx/>
+              <a:buNone/>
+              <a:tabLst/>
+              <a:defRPr/>
+            </a:pPr>
+            <a:endParaRPr kumimoji="0" lang="pt-BR" sz="1800" b="0" i="0" u="none" strike="noStrike" kern="1200" cap="none" spc="0" normalizeH="0" baseline="0" noProof="0">
+              <a:ln>
+                <a:noFill/>
+              </a:ln>
+              <a:solidFill>
+                <a:prstClr val="white"/>
+              </a:solidFill>
+              <a:effectLst/>
+              <a:uLnTx/>
+              <a:uFillTx/>
+              <a:latin typeface="Calibri" panose="020F0502020204030204"/>
+              <a:ea typeface="+mn-ea"/>
+              <a:cs typeface="+mn-cs"/>
+            </a:endParaRPr>
+          </a:p>
+        </p:txBody>
+      </p:sp>
+      <p:sp>
+        <p:nvSpPr>
+          <p:cNvPr id="23" name="Retângulo 22">
+            <a:extLst>
+              <a:ext uri="{FF2B5EF4-FFF2-40B4-BE49-F238E27FC236}">
+                <a16:creationId xmlns:a16="http://schemas.microsoft.com/office/drawing/2014/main" id="{07D3C53C-2017-2C79-EFB1-A2C40E86F75D}"/>
+              </a:ext>
+            </a:extLst>
+          </p:cNvPr>
+          <p:cNvSpPr/>
+          <p:nvPr/>
+        </p:nvSpPr>
+        <p:spPr>
+          <a:xfrm>
+            <a:off x="10561579" y="3894365"/>
+            <a:ext cx="1546531" cy="155933"/>
+          </a:xfrm>
+          <a:prstGeom prst="rect">
+            <a:avLst/>
+          </a:prstGeom>
+          <a:solidFill>
+            <a:srgbClr val="E9E9E9"/>
+          </a:solidFill>
+          <a:ln>
+            <a:noFill/>
+          </a:ln>
+        </p:spPr>
+        <p:style>
+          <a:lnRef idx="2">
+            <a:schemeClr val="accent1">
+              <a:shade val="15000"/>
+            </a:schemeClr>
+          </a:lnRef>
+          <a:fillRef idx="1">
+            <a:schemeClr val="accent1"/>
+          </a:fillRef>
+          <a:effectRef idx="0">
+            <a:schemeClr val="accent1"/>
+          </a:effectRef>
+          <a:fontRef idx="minor">
+            <a:schemeClr val="lt1"/>
+          </a:fontRef>
+        </p:style>
+        <p:txBody>
+          <a:bodyPr rtlCol="0" anchor="ctr"/>
+          <a:lstStyle/>
+          <a:p>
+            <a:pPr marL="0" marR="0" lvl="0" indent="0" algn="ctr" defTabSz="914400" rtl="0" eaLnBrk="1" fontAlgn="auto" latinLnBrk="0" hangingPunct="1">
+              <a:lnSpc>
+                <a:spcPct val="100000"/>
+              </a:lnSpc>
+              <a:spcBef>
+                <a:spcPts val="0"/>
+              </a:spcBef>
+              <a:spcAft>
+                <a:spcPts val="0"/>
+              </a:spcAft>
+              <a:buClrTx/>
+              <a:buSzTx/>
+              <a:buFontTx/>
+              <a:buNone/>
+              <a:tabLst/>
+              <a:defRPr/>
+            </a:pPr>
+            <a:endParaRPr kumimoji="0" lang="pt-BR" sz="1800" b="0" i="0" u="none" strike="noStrike" kern="1200" cap="none" spc="0" normalizeH="0" baseline="0" noProof="0">
+              <a:ln>
+                <a:noFill/>
+              </a:ln>
+              <a:solidFill>
+                <a:prstClr val="white"/>
+              </a:solidFill>
+              <a:effectLst/>
+              <a:uLnTx/>
+              <a:uFillTx/>
+              <a:latin typeface="Calibri" panose="020F0502020204030204"/>
+              <a:ea typeface="+mn-ea"/>
+              <a:cs typeface="+mn-cs"/>
+            </a:endParaRPr>
+          </a:p>
+        </p:txBody>
+      </p:sp>
+      <p:sp>
+        <p:nvSpPr>
+          <p:cNvPr id="24" name="Retângulo 23">
+            <a:extLst>
+              <a:ext uri="{FF2B5EF4-FFF2-40B4-BE49-F238E27FC236}">
+                <a16:creationId xmlns:a16="http://schemas.microsoft.com/office/drawing/2014/main" id="{E10FD4C7-92E1-7C01-F521-4EBC85AE9238}"/>
+              </a:ext>
+            </a:extLst>
+          </p:cNvPr>
+          <p:cNvSpPr/>
+          <p:nvPr/>
+        </p:nvSpPr>
+        <p:spPr>
+          <a:xfrm>
+            <a:off x="10561579" y="4192560"/>
+            <a:ext cx="1546532" cy="155933"/>
+          </a:xfrm>
+          <a:prstGeom prst="rect">
+            <a:avLst/>
+          </a:prstGeom>
+          <a:solidFill>
+            <a:srgbClr val="E9E9E9"/>
+          </a:solidFill>
+          <a:ln>
+            <a:noFill/>
+          </a:ln>
+        </p:spPr>
+        <p:style>
+          <a:lnRef idx="2">
+            <a:schemeClr val="accent1">
+              <a:shade val="15000"/>
+            </a:schemeClr>
+          </a:lnRef>
+          <a:fillRef idx="1">
+            <a:schemeClr val="accent1"/>
+          </a:fillRef>
+          <a:effectRef idx="0">
+            <a:schemeClr val="accent1"/>
+          </a:effectRef>
+          <a:fontRef idx="minor">
+            <a:schemeClr val="lt1"/>
+          </a:fontRef>
+        </p:style>
+        <p:txBody>
+          <a:bodyPr rtlCol="0" anchor="ctr"/>
+          <a:lstStyle/>
+          <a:p>
+            <a:pPr marL="0" marR="0" lvl="0" indent="0" algn="ctr" defTabSz="914400" rtl="0" eaLnBrk="1" fontAlgn="auto" latinLnBrk="0" hangingPunct="1">
+              <a:lnSpc>
+                <a:spcPct val="100000"/>
+              </a:lnSpc>
+              <a:spcBef>
+                <a:spcPts val="0"/>
+              </a:spcBef>
+              <a:spcAft>
+                <a:spcPts val="0"/>
+              </a:spcAft>
+              <a:buClrTx/>
+              <a:buSzTx/>
+              <a:buFontTx/>
+              <a:buNone/>
+              <a:tabLst/>
+              <a:defRPr/>
+            </a:pPr>
+            <a:endParaRPr kumimoji="0" lang="pt-BR" sz="1800" b="0" i="0" u="none" strike="noStrike" kern="1200" cap="none" spc="0" normalizeH="0" baseline="0" noProof="0">
+              <a:ln>
+                <a:noFill/>
+              </a:ln>
+              <a:solidFill>
+                <a:prstClr val="white"/>
+              </a:solidFill>
+              <a:effectLst/>
+              <a:uLnTx/>
+              <a:uFillTx/>
+              <a:latin typeface="Calibri" panose="020F0502020204030204"/>
+              <a:ea typeface="+mn-ea"/>
+              <a:cs typeface="+mn-cs"/>
+            </a:endParaRPr>
+          </a:p>
+        </p:txBody>
+      </p:sp>
+      <p:sp>
+        <p:nvSpPr>
+          <p:cNvPr id="25" name="Retângulo 24">
+            <a:extLst>
+              <a:ext uri="{FF2B5EF4-FFF2-40B4-BE49-F238E27FC236}">
+                <a16:creationId xmlns:a16="http://schemas.microsoft.com/office/drawing/2014/main" id="{72F6A21C-9B99-22E2-7D45-2A3F7580EB6B}"/>
+              </a:ext>
+            </a:extLst>
+          </p:cNvPr>
+          <p:cNvSpPr/>
+          <p:nvPr/>
+        </p:nvSpPr>
+        <p:spPr>
+          <a:xfrm>
+            <a:off x="10561579" y="4476529"/>
+            <a:ext cx="1587374" cy="155933"/>
+          </a:xfrm>
+          <a:prstGeom prst="rect">
+            <a:avLst/>
+          </a:prstGeom>
+          <a:solidFill>
+            <a:srgbClr val="E9E9E9"/>
+          </a:solidFill>
+          <a:ln>
+            <a:noFill/>
+          </a:ln>
+        </p:spPr>
+        <p:style>
+          <a:lnRef idx="2">
+            <a:schemeClr val="accent1">
+              <a:shade val="15000"/>
+            </a:schemeClr>
+          </a:lnRef>
+          <a:fillRef idx="1">
+            <a:schemeClr val="accent1"/>
+          </a:fillRef>
+          <a:effectRef idx="0">
+            <a:schemeClr val="accent1"/>
+          </a:effectRef>
+          <a:fontRef idx="minor">
+            <a:schemeClr val="lt1"/>
+          </a:fontRef>
+        </p:style>
+        <p:txBody>
+          <a:bodyPr rtlCol="0" anchor="ctr"/>
+          <a:lstStyle/>
+          <a:p>
+            <a:pPr marL="0" marR="0" lvl="0" indent="0" algn="ctr" defTabSz="914400" rtl="0" eaLnBrk="1" fontAlgn="auto" latinLnBrk="0" hangingPunct="1">
+              <a:lnSpc>
+                <a:spcPct val="100000"/>
+              </a:lnSpc>
+              <a:spcBef>
+                <a:spcPts val="0"/>
+              </a:spcBef>
+              <a:spcAft>
+                <a:spcPts val="0"/>
+              </a:spcAft>
+              <a:buClrTx/>
+              <a:buSzTx/>
+              <a:buFontTx/>
+              <a:buNone/>
+              <a:tabLst/>
+              <a:defRPr/>
+            </a:pPr>
+            <a:endParaRPr kumimoji="0" lang="pt-BR" sz="1800" b="0" i="0" u="none" strike="noStrike" kern="1200" cap="none" spc="0" normalizeH="0" baseline="0" noProof="0">
+              <a:ln>
+                <a:noFill/>
+              </a:ln>
+              <a:solidFill>
+                <a:prstClr val="white"/>
+              </a:solidFill>
+              <a:effectLst/>
+              <a:uLnTx/>
+              <a:uFillTx/>
+              <a:latin typeface="Calibri" panose="020F0502020204030204"/>
+              <a:ea typeface="+mn-ea"/>
+              <a:cs typeface="+mn-cs"/>
+            </a:endParaRPr>
+          </a:p>
+        </p:txBody>
+      </p:sp>
+      <p:sp>
+        <p:nvSpPr>
+          <p:cNvPr id="26" name="Retângulo 25">
+            <a:extLst>
+              <a:ext uri="{FF2B5EF4-FFF2-40B4-BE49-F238E27FC236}">
+                <a16:creationId xmlns:a16="http://schemas.microsoft.com/office/drawing/2014/main" id="{F4DCB912-63EE-3D50-D039-0A65DA3123A1}"/>
+              </a:ext>
+            </a:extLst>
+          </p:cNvPr>
+          <p:cNvSpPr/>
+          <p:nvPr/>
+        </p:nvSpPr>
+        <p:spPr>
+          <a:xfrm>
+            <a:off x="10568860" y="4769408"/>
+            <a:ext cx="1499094" cy="155933"/>
+          </a:xfrm>
+          <a:prstGeom prst="rect">
+            <a:avLst/>
+          </a:prstGeom>
+          <a:solidFill>
+            <a:srgbClr val="E9E9E9"/>
+          </a:solidFill>
+          <a:ln>
+            <a:noFill/>
+          </a:ln>
+        </p:spPr>
+        <p:style>
+          <a:lnRef idx="2">
+            <a:schemeClr val="accent1">
+              <a:shade val="15000"/>
+            </a:schemeClr>
+          </a:lnRef>
+          <a:fillRef idx="1">
+            <a:schemeClr val="accent1"/>
+          </a:fillRef>
+          <a:effectRef idx="0">
+            <a:schemeClr val="accent1"/>
+          </a:effectRef>
+          <a:fontRef idx="minor">
+            <a:schemeClr val="lt1"/>
+          </a:fontRef>
+        </p:style>
+        <p:txBody>
+          <a:bodyPr rtlCol="0" anchor="ctr"/>
+          <a:lstStyle/>
+          <a:p>
+            <a:pPr marL="0" marR="0" lvl="0" indent="0" algn="ctr" defTabSz="914400" rtl="0" eaLnBrk="1" fontAlgn="auto" latinLnBrk="0" hangingPunct="1">
+              <a:lnSpc>
+                <a:spcPct val="100000"/>
+              </a:lnSpc>
+              <a:spcBef>
+                <a:spcPts val="0"/>
+              </a:spcBef>
+              <a:spcAft>
+                <a:spcPts val="0"/>
+              </a:spcAft>
+              <a:buClrTx/>
+              <a:buSzTx/>
+              <a:buFontTx/>
+              <a:buNone/>
+              <a:tabLst/>
+              <a:defRPr/>
+            </a:pPr>
+            <a:endParaRPr kumimoji="0" lang="pt-BR" sz="1800" b="0" i="0" u="none" strike="noStrike" kern="1200" cap="none" spc="0" normalizeH="0" baseline="0" noProof="0">
+              <a:ln>
+                <a:noFill/>
+              </a:ln>
+              <a:solidFill>
+                <a:prstClr val="white"/>
+              </a:solidFill>
+              <a:effectLst/>
+              <a:uLnTx/>
+              <a:uFillTx/>
+              <a:latin typeface="Calibri" panose="020F0502020204030204"/>
+              <a:ea typeface="+mn-ea"/>
+              <a:cs typeface="+mn-cs"/>
+            </a:endParaRPr>
+          </a:p>
+        </p:txBody>
+      </p:sp>
+    </p:spTree>
+    <p:extLst>
+      <p:ext uri="{BB962C8B-B14F-4D97-AF65-F5344CB8AC3E}">
+        <p14:creationId xmlns:p14="http://schemas.microsoft.com/office/powerpoint/2010/main" val="2657073436"/>
+      </p:ext>
+    </p:extLst>
+  </p:cSld>
+  <p:clrMapOvr>
+    <a:masterClrMapping/>
+  </p:clrMapOvr>
+</p:sld>
+</file>
+
+<file path=ppt/slides/slide6.xml><?xml version="1.0" encoding="utf-8"?>
+<p:sld xmlns:a="http://schemas.openxmlformats.org/drawingml/2006/main" xmlns:r="http://schemas.openxmlformats.org/officeDocument/2006/relationships" xmlns:p="http://schemas.openxmlformats.org/presentationml/2006/main">
+  <p:cSld>
+    <p:spTree>
+      <p:nvGrpSpPr>
+        <p:cNvPr id="1" name=""/>
+        <p:cNvGrpSpPr/>
+        <p:nvPr/>
+      </p:nvGrpSpPr>
+      <p:grpSpPr>
+        <a:xfrm>
+          <a:off x="0" y="0"/>
+          <a:ext cx="0" cy="0"/>
+          <a:chOff x="0" y="0"/>
+          <a:chExt cx="0" cy="0"/>
+        </a:xfrm>
+      </p:grpSpPr>
+      <p:pic>
+        <p:nvPicPr>
+          <p:cNvPr id="5" name="Imagem 4">
+            <a:extLst>
+              <a:ext uri="{FF2B5EF4-FFF2-40B4-BE49-F238E27FC236}">
+                <a16:creationId xmlns:a16="http://schemas.microsoft.com/office/drawing/2014/main" id="{6EF388AF-9290-4C96-B5A8-6969DD22E050}"/>
+              </a:ext>
+            </a:extLst>
+          </p:cNvPr>
+          <p:cNvPicPr>
+            <a:picLocks noChangeAspect="1"/>
+          </p:cNvPicPr>
+          <p:nvPr/>
+        </p:nvPicPr>
+        <p:blipFill>
+          <a:blip r:embed="rId2"/>
+          <a:stretch>
+            <a:fillRect/>
+          </a:stretch>
+        </p:blipFill>
+        <p:spPr>
+          <a:xfrm>
+            <a:off x="0" y="0"/>
+            <a:ext cx="12192000" cy="6858000"/>
+          </a:xfrm>
+          <a:prstGeom prst="rect">
+            <a:avLst/>
+          </a:prstGeom>
+        </p:spPr>
+      </p:pic>
+      <p:pic>
+        <p:nvPicPr>
+          <p:cNvPr id="3" name="Imagem 2">
+            <a:extLst>
+              <a:ext uri="{FF2B5EF4-FFF2-40B4-BE49-F238E27FC236}">
+                <a16:creationId xmlns:a16="http://schemas.microsoft.com/office/drawing/2014/main" id="{48533AE4-1645-D37C-2C17-4332E45C6F6C}"/>
+              </a:ext>
+            </a:extLst>
+          </p:cNvPr>
+          <p:cNvPicPr>
+            <a:picLocks noChangeAspect="1"/>
+          </p:cNvPicPr>
+          <p:nvPr/>
+        </p:nvPicPr>
+        <p:blipFill>
+          <a:blip r:embed="rId3"/>
+          <a:stretch>
+            <a:fillRect/>
+          </a:stretch>
+        </p:blipFill>
+        <p:spPr>
+          <a:xfrm>
+            <a:off x="0" y="948992"/>
+            <a:ext cx="12192000" cy="5194908"/>
+          </a:xfrm>
+          <a:prstGeom prst="rect">
+            <a:avLst/>
+          </a:prstGeom>
+        </p:spPr>
+      </p:pic>
+    </p:spTree>
+    <p:extLst>
+      <p:ext uri="{BB962C8B-B14F-4D97-AF65-F5344CB8AC3E}">
+        <p14:creationId xmlns:p14="http://schemas.microsoft.com/office/powerpoint/2010/main" val="229958374"/>
+      </p:ext>
+    </p:extLst>
+  </p:cSld>
+  <p:clrMapOvr>
+    <a:masterClrMapping/>
+  </p:clrMapOvr>
+</p:sld>
+</file>
+
+<file path=ppt/slides/slide7.xml><?xml version="1.0" encoding="utf-8"?>
+<p:sld xmlns:a="http://schemas.openxmlformats.org/drawingml/2006/main" xmlns:r="http://schemas.openxmlformats.org/officeDocument/2006/relationships" xmlns:p="http://schemas.openxmlformats.org/presentationml/2006/main">
+  <p:cSld>
+    <p:spTree>
+      <p:nvGrpSpPr>
+        <p:cNvPr id="1" name=""/>
+        <p:cNvGrpSpPr/>
+        <p:nvPr/>
+      </p:nvGrpSpPr>
+      <p:grpSpPr>
+        <a:xfrm>
+          <a:off x="0" y="0"/>
+          <a:ext cx="0" cy="0"/>
+          <a:chOff x="0" y="0"/>
+          <a:chExt cx="0" cy="0"/>
+        </a:xfrm>
+      </p:grpSpPr>
+      <p:pic>
+        <p:nvPicPr>
+          <p:cNvPr id="5" name="Imagem 4">
+            <a:extLst>
+              <a:ext uri="{FF2B5EF4-FFF2-40B4-BE49-F238E27FC236}">
+                <a16:creationId xmlns:a16="http://schemas.microsoft.com/office/drawing/2014/main" id="{6EF388AF-9290-4C96-B5A8-6969DD22E050}"/>
+              </a:ext>
+            </a:extLst>
+          </p:cNvPr>
+          <p:cNvPicPr>
+            <a:picLocks noChangeAspect="1"/>
+          </p:cNvPicPr>
+          <p:nvPr/>
+        </p:nvPicPr>
+        <p:blipFill>
+          <a:blip r:embed="rId2"/>
+          <a:stretch>
+            <a:fillRect/>
+          </a:stretch>
+        </p:blipFill>
+        <p:spPr>
+          <a:xfrm>
+            <a:off x="0" y="0"/>
+            <a:ext cx="12192000" cy="6858000"/>
+          </a:xfrm>
+          <a:prstGeom prst="rect">
+            <a:avLst/>
+          </a:prstGeom>
+        </p:spPr>
+      </p:pic>
+      <p:pic>
+        <p:nvPicPr>
+          <p:cNvPr id="4" name="Imagem 3">
+            <a:extLst>
+              <a:ext uri="{FF2B5EF4-FFF2-40B4-BE49-F238E27FC236}">
+                <a16:creationId xmlns:a16="http://schemas.microsoft.com/office/drawing/2014/main" id="{B0B16A0A-B672-4F6C-7999-CE02CDD95B0D}"/>
+              </a:ext>
+            </a:extLst>
+          </p:cNvPr>
+          <p:cNvPicPr>
+            <a:picLocks noChangeAspect="1"/>
+          </p:cNvPicPr>
+          <p:nvPr/>
+        </p:nvPicPr>
+        <p:blipFill>
+          <a:blip r:embed="rId3"/>
+          <a:stretch>
+            <a:fillRect/>
+          </a:stretch>
+        </p:blipFill>
+        <p:spPr>
+          <a:xfrm>
+            <a:off x="0" y="974764"/>
+            <a:ext cx="12192000" cy="5210476"/>
+          </a:xfrm>
+          <a:prstGeom prst="rect">
+            <a:avLst/>
+          </a:prstGeom>
+        </p:spPr>
+      </p:pic>
+    </p:spTree>
+    <p:extLst>
+      <p:ext uri="{BB962C8B-B14F-4D97-AF65-F5344CB8AC3E}">
+        <p14:creationId xmlns:p14="http://schemas.microsoft.com/office/powerpoint/2010/main" val="1971801983"/>
+      </p:ext>
+    </p:extLst>
+  </p:cSld>
+  <p:clrMapOvr>
+    <a:masterClrMapping/>
+  </p:clrMapOvr>
+</p:sld>
+</file>
+
+<file path=ppt/slides/slide8.xml><?xml version="1.0" encoding="utf-8"?>
+<p:sld xmlns:a="http://schemas.openxmlformats.org/drawingml/2006/main" xmlns:r="http://schemas.openxmlformats.org/officeDocument/2006/relationships" xmlns:p="http://schemas.openxmlformats.org/presentationml/2006/main">
+  <p:cSld>
+    <p:spTree>
+      <p:nvGrpSpPr>
+        <p:cNvPr id="1" name=""/>
+        <p:cNvGrpSpPr/>
+        <p:nvPr/>
+      </p:nvGrpSpPr>
+      <p:grpSpPr>
+        <a:xfrm>
+          <a:off x="0" y="0"/>
+          <a:ext cx="0" cy="0"/>
+          <a:chOff x="0" y="0"/>
+          <a:chExt cx="0" cy="0"/>
+        </a:xfrm>
+      </p:grpSpPr>
+      <p:pic>
+        <p:nvPicPr>
+          <p:cNvPr id="5" name="Imagem 4">
+            <a:extLst>
+              <a:ext uri="{FF2B5EF4-FFF2-40B4-BE49-F238E27FC236}">
+                <a16:creationId xmlns:a16="http://schemas.microsoft.com/office/drawing/2014/main" id="{6EF388AF-9290-4C96-B5A8-6969DD22E050}"/>
+              </a:ext>
+            </a:extLst>
+          </p:cNvPr>
+          <p:cNvPicPr>
+            <a:picLocks noChangeAspect="1"/>
+          </p:cNvPicPr>
+          <p:nvPr/>
+        </p:nvPicPr>
+        <p:blipFill>
+          <a:blip r:embed="rId2"/>
+          <a:stretch>
+            <a:fillRect/>
+          </a:stretch>
+        </p:blipFill>
+        <p:spPr>
+          <a:xfrm>
+            <a:off x="0" y="0"/>
+            <a:ext cx="12192000" cy="6858000"/>
+          </a:xfrm>
+          <a:prstGeom prst="rect">
+            <a:avLst/>
+          </a:prstGeom>
+        </p:spPr>
+      </p:pic>
+      <p:pic>
+        <p:nvPicPr>
+          <p:cNvPr id="3" name="Imagem 2">
+            <a:extLst>
+              <a:ext uri="{FF2B5EF4-FFF2-40B4-BE49-F238E27FC236}">
+                <a16:creationId xmlns:a16="http://schemas.microsoft.com/office/drawing/2014/main" id="{2A522EB7-A81E-F5A3-9607-B9C14B5EFC99}"/>
+              </a:ext>
+            </a:extLst>
+          </p:cNvPr>
+          <p:cNvPicPr>
+            <a:picLocks noChangeAspect="1"/>
+          </p:cNvPicPr>
+          <p:nvPr/>
+        </p:nvPicPr>
+        <p:blipFill>
+          <a:blip r:embed="rId3"/>
+          <a:stretch>
+            <a:fillRect/>
+          </a:stretch>
+        </p:blipFill>
+        <p:spPr>
+          <a:xfrm>
+            <a:off x="0" y="861999"/>
+            <a:ext cx="12192000" cy="5464937"/>
+          </a:xfrm>
+          <a:prstGeom prst="rect">
+            <a:avLst/>
+          </a:prstGeom>
+        </p:spPr>
+      </p:pic>
+    </p:spTree>
+    <p:extLst>
+      <p:ext uri="{BB962C8B-B14F-4D97-AF65-F5344CB8AC3E}">
+        <p14:creationId xmlns:p14="http://schemas.microsoft.com/office/powerpoint/2010/main" val="626809031"/>
+      </p:ext>
+    </p:extLst>
+  </p:cSld>
+  <p:clrMapOvr>
+    <a:masterClrMapping/>
+  </p:clrMapOvr>
+</p:sld>
+</file>
+
+<file path=ppt/slides/slide9.xml><?xml version="1.0" encoding="utf-8"?>
+<p:sld xmlns:a="http://schemas.openxmlformats.org/drawingml/2006/main" xmlns:r="http://schemas.openxmlformats.org/officeDocument/2006/relationships" xmlns:p="http://schemas.openxmlformats.org/presentationml/2006/main">
+  <p:cSld>
+    <p:spTree>
+      <p:nvGrpSpPr>
+        <p:cNvPr id="1" name=""/>
+        <p:cNvGrpSpPr/>
+        <p:nvPr/>
+      </p:nvGrpSpPr>
+      <p:grpSpPr>
+        <a:xfrm>
+          <a:off x="0" y="0"/>
+          <a:ext cx="0" cy="0"/>
+          <a:chOff x="0" y="0"/>
+          <a:chExt cx="0" cy="0"/>
+        </a:xfrm>
+      </p:grpSpPr>
+      <p:pic>
+        <p:nvPicPr>
+          <p:cNvPr id="5" name="Imagem 4">
+            <a:extLst>
+              <a:ext uri="{FF2B5EF4-FFF2-40B4-BE49-F238E27FC236}">
+                <a16:creationId xmlns:a16="http://schemas.microsoft.com/office/drawing/2014/main" id="{6EF388AF-9290-4C96-B5A8-6969DD22E050}"/>
+              </a:ext>
+            </a:extLst>
+          </p:cNvPr>
+          <p:cNvPicPr>
+            <a:picLocks noChangeAspect="1"/>
+          </p:cNvPicPr>
+          <p:nvPr/>
+        </p:nvPicPr>
+        <p:blipFill>
+          <a:blip r:embed="rId2"/>
+          <a:stretch>
+            <a:fillRect/>
+          </a:stretch>
+        </p:blipFill>
+        <p:spPr>
+          <a:xfrm>
+            <a:off x="0" y="0"/>
+            <a:ext cx="12192000" cy="6858000"/>
+          </a:xfrm>
+          <a:prstGeom prst="rect">
+            <a:avLst/>
+          </a:prstGeom>
+        </p:spPr>
+      </p:pic>
+      <p:pic>
+        <p:nvPicPr>
+          <p:cNvPr id="4" name="Imagem 3">
+            <a:extLst>
+              <a:ext uri="{FF2B5EF4-FFF2-40B4-BE49-F238E27FC236}">
+                <a16:creationId xmlns:a16="http://schemas.microsoft.com/office/drawing/2014/main" id="{0FEFEA18-9673-8F32-96A8-4F1137A5A27E}"/>
+              </a:ext>
+            </a:extLst>
+          </p:cNvPr>
+          <p:cNvPicPr>
+            <a:picLocks noChangeAspect="1"/>
+          </p:cNvPicPr>
+          <p:nvPr/>
+        </p:nvPicPr>
+        <p:blipFill>
+          <a:blip r:embed="rId3"/>
+          <a:stretch>
+            <a:fillRect/>
+          </a:stretch>
+        </p:blipFill>
+        <p:spPr>
+          <a:xfrm>
+            <a:off x="0" y="688684"/>
+            <a:ext cx="12192000" cy="5480631"/>
+          </a:xfrm>
+          <a:prstGeom prst="rect">
+            <a:avLst/>
+          </a:prstGeom>
+        </p:spPr>
+      </p:pic>
+      <p:sp>
+        <p:nvSpPr>
+          <p:cNvPr id="6" name="Retângulo 5">
+            <a:extLst>
+              <a:ext uri="{FF2B5EF4-FFF2-40B4-BE49-F238E27FC236}">
+                <a16:creationId xmlns:a16="http://schemas.microsoft.com/office/drawing/2014/main" id="{CFEA3014-F2A6-A74D-67B7-0508CC64781F}"/>
+              </a:ext>
+            </a:extLst>
+          </p:cNvPr>
+          <p:cNvSpPr/>
+          <p:nvPr/>
+        </p:nvSpPr>
+        <p:spPr>
+          <a:xfrm>
+            <a:off x="6460691" y="792883"/>
+            <a:ext cx="1304959" cy="228569"/>
+          </a:xfrm>
+          <a:prstGeom prst="rect">
+            <a:avLst/>
+          </a:prstGeom>
+          <a:solidFill>
+            <a:srgbClr val="E6E6E6"/>
+          </a:solidFill>
+          <a:ln>
+            <a:noFill/>
+          </a:ln>
+        </p:spPr>
+        <p:style>
+          <a:lnRef idx="2">
+            <a:schemeClr val="accent1">
+              <a:shade val="15000"/>
+            </a:schemeClr>
+          </a:lnRef>
+          <a:fillRef idx="1">
+            <a:schemeClr val="accent1"/>
+          </a:fillRef>
+          <a:effectRef idx="0">
+            <a:schemeClr val="accent1"/>
+          </a:effectRef>
+          <a:fontRef idx="minor">
+            <a:schemeClr val="lt1"/>
+          </a:fontRef>
+        </p:style>
+        <p:txBody>
+          <a:bodyPr rtlCol="0" anchor="ctr"/>
+          <a:lstStyle/>
+          <a:p>
+            <a:pPr marL="0" marR="0" lvl="0" indent="0" algn="ctr" defTabSz="914400" rtl="0" eaLnBrk="1" fontAlgn="auto" latinLnBrk="0" hangingPunct="1">
+              <a:lnSpc>
+                <a:spcPct val="100000"/>
+              </a:lnSpc>
+              <a:spcBef>
+                <a:spcPts val="0"/>
+              </a:spcBef>
+              <a:spcAft>
+                <a:spcPts val="0"/>
+              </a:spcAft>
+              <a:buClrTx/>
+              <a:buSzTx/>
+              <a:buFontTx/>
+              <a:buNone/>
+              <a:tabLst/>
+              <a:defRPr/>
+            </a:pPr>
+            <a:endParaRPr kumimoji="0" lang="pt-BR" sz="1800" b="0" i="0" u="none" strike="noStrike" kern="1200" cap="none" spc="0" normalizeH="0" baseline="0" noProof="0">
+              <a:ln>
+                <a:noFill/>
+              </a:ln>
+              <a:solidFill>
+                <a:prstClr val="white"/>
+              </a:solidFill>
+              <a:effectLst/>
+              <a:uLnTx/>
+              <a:uFillTx/>
+              <a:latin typeface="Calibri" panose="020F0502020204030204"/>
+              <a:ea typeface="+mn-ea"/>
+              <a:cs typeface="+mn-cs"/>
+            </a:endParaRPr>
+          </a:p>
+        </p:txBody>
+      </p:sp>
+      <p:sp>
+        <p:nvSpPr>
+          <p:cNvPr id="7" name="Retângulo 6">
+            <a:extLst>
+              <a:ext uri="{FF2B5EF4-FFF2-40B4-BE49-F238E27FC236}">
+                <a16:creationId xmlns:a16="http://schemas.microsoft.com/office/drawing/2014/main" id="{52FAEE3F-782D-A6C5-9FF8-D6E842EEEEFA}"/>
+              </a:ext>
+            </a:extLst>
+          </p:cNvPr>
+          <p:cNvSpPr/>
+          <p:nvPr/>
+        </p:nvSpPr>
+        <p:spPr>
+          <a:xfrm>
+            <a:off x="747551" y="1770814"/>
+            <a:ext cx="1255208" cy="602909"/>
+          </a:xfrm>
+          <a:prstGeom prst="rect">
+            <a:avLst/>
+          </a:prstGeom>
+          <a:solidFill>
+            <a:srgbClr val="E9E9E9"/>
+          </a:solidFill>
+          <a:ln>
+            <a:noFill/>
+          </a:ln>
+        </p:spPr>
+        <p:style>
+          <a:lnRef idx="2">
+            <a:schemeClr val="accent1">
+              <a:shade val="15000"/>
+            </a:schemeClr>
+          </a:lnRef>
+          <a:fillRef idx="1">
+            <a:schemeClr val="accent1"/>
+          </a:fillRef>
+          <a:effectRef idx="0">
+            <a:schemeClr val="accent1"/>
+          </a:effectRef>
+          <a:fontRef idx="minor">
+            <a:schemeClr val="lt1"/>
+          </a:fontRef>
+        </p:style>
+        <p:txBody>
+          <a:bodyPr rtlCol="0" anchor="ctr"/>
+          <a:lstStyle/>
+          <a:p>
+            <a:pPr marL="0" marR="0" lvl="0" indent="0" algn="ctr" defTabSz="914400" rtl="0" eaLnBrk="1" fontAlgn="auto" latinLnBrk="0" hangingPunct="1">
+              <a:lnSpc>
+                <a:spcPct val="100000"/>
+              </a:lnSpc>
+              <a:spcBef>
+                <a:spcPts val="0"/>
+              </a:spcBef>
+              <a:spcAft>
+                <a:spcPts val="0"/>
+              </a:spcAft>
+              <a:buClrTx/>
+              <a:buSzTx/>
+              <a:buFontTx/>
+              <a:buNone/>
+              <a:tabLst/>
+              <a:defRPr/>
+            </a:pPr>
+            <a:endParaRPr kumimoji="0" lang="pt-BR" sz="1800" b="0" i="0" u="none" strike="noStrike" kern="1200" cap="none" spc="0" normalizeH="0" baseline="0" noProof="0">
+              <a:ln>
+                <a:noFill/>
+              </a:ln>
+              <a:solidFill>
+                <a:prstClr val="white"/>
+              </a:solidFill>
+              <a:effectLst/>
+              <a:uLnTx/>
+              <a:uFillTx/>
+              <a:latin typeface="Calibri" panose="020F0502020204030204"/>
+              <a:ea typeface="+mn-ea"/>
+              <a:cs typeface="+mn-cs"/>
+            </a:endParaRPr>
+          </a:p>
+        </p:txBody>
+      </p:sp>
+      <p:sp>
+        <p:nvSpPr>
+          <p:cNvPr id="8" name="Retângulo 7">
+            <a:extLst>
+              <a:ext uri="{FF2B5EF4-FFF2-40B4-BE49-F238E27FC236}">
+                <a16:creationId xmlns:a16="http://schemas.microsoft.com/office/drawing/2014/main" id="{D77A45D0-E30A-ED82-978A-3A80D9961E8E}"/>
+              </a:ext>
+            </a:extLst>
+          </p:cNvPr>
+          <p:cNvSpPr/>
+          <p:nvPr/>
+        </p:nvSpPr>
+        <p:spPr>
+          <a:xfrm>
+            <a:off x="2086441" y="1770814"/>
+            <a:ext cx="1255208" cy="602909"/>
+          </a:xfrm>
+          <a:prstGeom prst="rect">
+            <a:avLst/>
+          </a:prstGeom>
+          <a:solidFill>
+            <a:srgbClr val="E9E9E9"/>
+          </a:solidFill>
+          <a:ln>
+            <a:noFill/>
+          </a:ln>
+        </p:spPr>
+        <p:style>
+          <a:lnRef idx="2">
+            <a:schemeClr val="accent1">
+              <a:shade val="15000"/>
+            </a:schemeClr>
+          </a:lnRef>
+          <a:fillRef idx="1">
+            <a:schemeClr val="accent1"/>
+          </a:fillRef>
+          <a:effectRef idx="0">
+            <a:schemeClr val="accent1"/>
+          </a:effectRef>
+          <a:fontRef idx="minor">
+            <a:schemeClr val="lt1"/>
+          </a:fontRef>
+        </p:style>
+        <p:txBody>
+          <a:bodyPr rtlCol="0" anchor="ctr"/>
+          <a:lstStyle/>
+          <a:p>
+            <a:pPr marL="0" marR="0" lvl="0" indent="0" algn="ctr" defTabSz="914400" rtl="0" eaLnBrk="1" fontAlgn="auto" latinLnBrk="0" hangingPunct="1">
+              <a:lnSpc>
+                <a:spcPct val="100000"/>
+              </a:lnSpc>
+              <a:spcBef>
+                <a:spcPts val="0"/>
+              </a:spcBef>
+              <a:spcAft>
+                <a:spcPts val="0"/>
+              </a:spcAft>
+              <a:buClrTx/>
+              <a:buSzTx/>
+              <a:buFontTx/>
+              <a:buNone/>
+              <a:tabLst/>
+              <a:defRPr/>
+            </a:pPr>
+            <a:endParaRPr kumimoji="0" lang="pt-BR" sz="1800" b="0" i="0" u="none" strike="noStrike" kern="1200" cap="none" spc="0" normalizeH="0" baseline="0" noProof="0">
+              <a:ln>
+                <a:noFill/>
+              </a:ln>
+              <a:solidFill>
+                <a:prstClr val="white"/>
+              </a:solidFill>
+              <a:effectLst/>
+              <a:uLnTx/>
+              <a:uFillTx/>
+              <a:latin typeface="Calibri" panose="020F0502020204030204"/>
+              <a:ea typeface="+mn-ea"/>
+              <a:cs typeface="+mn-cs"/>
+            </a:endParaRPr>
+          </a:p>
+        </p:txBody>
+      </p:sp>
+      <p:sp>
+        <p:nvSpPr>
+          <p:cNvPr id="9" name="Retângulo 8">
+            <a:extLst>
+              <a:ext uri="{FF2B5EF4-FFF2-40B4-BE49-F238E27FC236}">
+                <a16:creationId xmlns:a16="http://schemas.microsoft.com/office/drawing/2014/main" id="{C6D2A0A7-1C0F-E0F2-6C8B-EFD9839FED04}"/>
+              </a:ext>
+            </a:extLst>
+          </p:cNvPr>
+          <p:cNvSpPr/>
+          <p:nvPr/>
+        </p:nvSpPr>
+        <p:spPr>
+          <a:xfrm>
+            <a:off x="3455811" y="1770814"/>
+            <a:ext cx="1255208" cy="602909"/>
+          </a:xfrm>
+          <a:prstGeom prst="rect">
+            <a:avLst/>
+          </a:prstGeom>
+          <a:solidFill>
+            <a:srgbClr val="E9E9E9"/>
+          </a:solidFill>
+          <a:ln>
+            <a:noFill/>
+          </a:ln>
+        </p:spPr>
+        <p:style>
+          <a:lnRef idx="2">
+            <a:schemeClr val="accent1">
+              <a:shade val="15000"/>
+            </a:schemeClr>
+          </a:lnRef>
+          <a:fillRef idx="1">
+            <a:schemeClr val="accent1"/>
+          </a:fillRef>
+          <a:effectRef idx="0">
+            <a:schemeClr val="accent1"/>
+          </a:effectRef>
+          <a:fontRef idx="minor">
+            <a:schemeClr val="lt1"/>
+          </a:fontRef>
+        </p:style>
+        <p:txBody>
+          <a:bodyPr rtlCol="0" anchor="ctr"/>
+          <a:lstStyle/>
+          <a:p>
+            <a:pPr marL="0" marR="0" lvl="0" indent="0" algn="ctr" defTabSz="914400" rtl="0" eaLnBrk="1" fontAlgn="auto" latinLnBrk="0" hangingPunct="1">
+              <a:lnSpc>
+                <a:spcPct val="100000"/>
+              </a:lnSpc>
+              <a:spcBef>
+                <a:spcPts val="0"/>
+              </a:spcBef>
+              <a:spcAft>
+                <a:spcPts val="0"/>
+              </a:spcAft>
+              <a:buClrTx/>
+              <a:buSzTx/>
+              <a:buFontTx/>
+              <a:buNone/>
+              <a:tabLst/>
+              <a:defRPr/>
+            </a:pPr>
+            <a:endParaRPr kumimoji="0" lang="pt-BR" sz="1800" b="0" i="0" u="none" strike="noStrike" kern="1200" cap="none" spc="0" normalizeH="0" baseline="0" noProof="0">
+              <a:ln>
+                <a:noFill/>
+              </a:ln>
+              <a:solidFill>
+                <a:prstClr val="white"/>
+              </a:solidFill>
+              <a:effectLst/>
+              <a:uLnTx/>
+              <a:uFillTx/>
+              <a:latin typeface="Calibri" panose="020F0502020204030204"/>
+              <a:ea typeface="+mn-ea"/>
+              <a:cs typeface="+mn-cs"/>
+            </a:endParaRPr>
+          </a:p>
+        </p:txBody>
+      </p:sp>
+      <p:sp>
+        <p:nvSpPr>
+          <p:cNvPr id="10" name="Retângulo 9">
+            <a:extLst>
+              <a:ext uri="{FF2B5EF4-FFF2-40B4-BE49-F238E27FC236}">
+                <a16:creationId xmlns:a16="http://schemas.microsoft.com/office/drawing/2014/main" id="{C0223671-8EC3-CA05-0641-2EF067E7AB36}"/>
+              </a:ext>
+            </a:extLst>
+          </p:cNvPr>
+          <p:cNvSpPr/>
+          <p:nvPr/>
+        </p:nvSpPr>
+        <p:spPr>
+          <a:xfrm>
+            <a:off x="4794701" y="1770814"/>
+            <a:ext cx="1255208" cy="602909"/>
+          </a:xfrm>
+          <a:prstGeom prst="rect">
+            <a:avLst/>
+          </a:prstGeom>
+          <a:solidFill>
+            <a:srgbClr val="E9E9E9"/>
+          </a:solidFill>
+          <a:ln>
+            <a:noFill/>
+          </a:ln>
+        </p:spPr>
+        <p:style>
+          <a:lnRef idx="2">
+            <a:schemeClr val="accent1">
+              <a:shade val="15000"/>
+            </a:schemeClr>
+          </a:lnRef>
+          <a:fillRef idx="1">
+            <a:schemeClr val="accent1"/>
+          </a:fillRef>
+          <a:effectRef idx="0">
+            <a:schemeClr val="accent1"/>
+          </a:effectRef>
+          <a:fontRef idx="minor">
+            <a:schemeClr val="lt1"/>
+          </a:fontRef>
+        </p:style>
+        <p:txBody>
+          <a:bodyPr rtlCol="0" anchor="ctr"/>
+          <a:lstStyle/>
+          <a:p>
+            <a:pPr marL="0" marR="0" lvl="0" indent="0" algn="ctr" defTabSz="914400" rtl="0" eaLnBrk="1" fontAlgn="auto" latinLnBrk="0" hangingPunct="1">
+              <a:lnSpc>
+                <a:spcPct val="100000"/>
+              </a:lnSpc>
+              <a:spcBef>
+                <a:spcPts val="0"/>
+              </a:spcBef>
+              <a:spcAft>
+                <a:spcPts val="0"/>
+              </a:spcAft>
+              <a:buClrTx/>
+              <a:buSzTx/>
+              <a:buFontTx/>
+              <a:buNone/>
+              <a:tabLst/>
+              <a:defRPr/>
+            </a:pPr>
+            <a:endParaRPr kumimoji="0" lang="pt-BR" sz="1800" b="0" i="0" u="none" strike="noStrike" kern="1200" cap="none" spc="0" normalizeH="0" baseline="0" noProof="0">
+              <a:ln>
+                <a:noFill/>
+              </a:ln>
+              <a:solidFill>
+                <a:prstClr val="white"/>
+              </a:solidFill>
+              <a:effectLst/>
+              <a:uLnTx/>
+              <a:uFillTx/>
+              <a:latin typeface="Calibri" panose="020F0502020204030204"/>
+              <a:ea typeface="+mn-ea"/>
+              <a:cs typeface="+mn-cs"/>
+            </a:endParaRPr>
+          </a:p>
+        </p:txBody>
+      </p:sp>
+      <p:sp>
+        <p:nvSpPr>
+          <p:cNvPr id="11" name="Retângulo 10">
+            <a:extLst>
+              <a:ext uri="{FF2B5EF4-FFF2-40B4-BE49-F238E27FC236}">
+                <a16:creationId xmlns:a16="http://schemas.microsoft.com/office/drawing/2014/main" id="{DDEA8E77-EE86-384F-36BF-7F502EDA5FB6}"/>
+              </a:ext>
+            </a:extLst>
+          </p:cNvPr>
+          <p:cNvSpPr/>
+          <p:nvPr/>
+        </p:nvSpPr>
+        <p:spPr>
+          <a:xfrm>
+            <a:off x="6828679" y="1710136"/>
+            <a:ext cx="1255208" cy="602909"/>
+          </a:xfrm>
+          <a:prstGeom prst="rect">
+            <a:avLst/>
+          </a:prstGeom>
+          <a:solidFill>
+            <a:srgbClr val="E9E9E9"/>
+          </a:solidFill>
+          <a:ln>
+            <a:noFill/>
+          </a:ln>
+        </p:spPr>
+        <p:style>
+          <a:lnRef idx="2">
+            <a:schemeClr val="accent1">
+              <a:shade val="15000"/>
+            </a:schemeClr>
+          </a:lnRef>
+          <a:fillRef idx="1">
+            <a:schemeClr val="accent1"/>
+          </a:fillRef>
+          <a:effectRef idx="0">
+            <a:schemeClr val="accent1"/>
+          </a:effectRef>
+          <a:fontRef idx="minor">
+            <a:schemeClr val="lt1"/>
+          </a:fontRef>
+        </p:style>
+        <p:txBody>
+          <a:bodyPr rtlCol="0" anchor="ctr"/>
+          <a:lstStyle/>
+          <a:p>
+            <a:pPr marL="0" marR="0" lvl="0" indent="0" algn="ctr" defTabSz="914400" rtl="0" eaLnBrk="1" fontAlgn="auto" latinLnBrk="0" hangingPunct="1">
+              <a:lnSpc>
+                <a:spcPct val="100000"/>
+              </a:lnSpc>
+              <a:spcBef>
+                <a:spcPts val="0"/>
+              </a:spcBef>
+              <a:spcAft>
+                <a:spcPts val="0"/>
+              </a:spcAft>
+              <a:buClrTx/>
+              <a:buSzTx/>
+              <a:buFontTx/>
+              <a:buNone/>
+              <a:tabLst/>
+              <a:defRPr/>
+            </a:pPr>
+            <a:endParaRPr kumimoji="0" lang="pt-BR" sz="1800" b="0" i="0" u="none" strike="noStrike" kern="1200" cap="none" spc="0" normalizeH="0" baseline="0" noProof="0">
+              <a:ln>
+                <a:noFill/>
+              </a:ln>
+              <a:solidFill>
+                <a:prstClr val="white"/>
+              </a:solidFill>
+              <a:effectLst/>
+              <a:uLnTx/>
+              <a:uFillTx/>
+              <a:latin typeface="Calibri" panose="020F0502020204030204"/>
+              <a:ea typeface="+mn-ea"/>
+              <a:cs typeface="+mn-cs"/>
+            </a:endParaRPr>
+          </a:p>
+        </p:txBody>
+      </p:sp>
+      <p:sp>
+        <p:nvSpPr>
+          <p:cNvPr id="12" name="Retângulo 11">
+            <a:extLst>
+              <a:ext uri="{FF2B5EF4-FFF2-40B4-BE49-F238E27FC236}">
+                <a16:creationId xmlns:a16="http://schemas.microsoft.com/office/drawing/2014/main" id="{48DBA516-7193-AA96-0F8C-B501E1F4F93B}"/>
+              </a:ext>
+            </a:extLst>
+          </p:cNvPr>
+          <p:cNvSpPr/>
+          <p:nvPr/>
+        </p:nvSpPr>
+        <p:spPr>
+          <a:xfrm>
+            <a:off x="8167569" y="1710136"/>
+            <a:ext cx="1255208" cy="602909"/>
+          </a:xfrm>
+          <a:prstGeom prst="rect">
+            <a:avLst/>
+          </a:prstGeom>
+          <a:solidFill>
+            <a:srgbClr val="E9E9E9"/>
+          </a:solidFill>
+          <a:ln>
+            <a:noFill/>
+          </a:ln>
+        </p:spPr>
+        <p:style>
+          <a:lnRef idx="2">
+            <a:schemeClr val="accent1">
+              <a:shade val="15000"/>
+            </a:schemeClr>
+          </a:lnRef>
+          <a:fillRef idx="1">
+            <a:schemeClr val="accent1"/>
+          </a:fillRef>
+          <a:effectRef idx="0">
+            <a:schemeClr val="accent1"/>
+          </a:effectRef>
+          <a:fontRef idx="minor">
+            <a:schemeClr val="lt1"/>
+          </a:fontRef>
+        </p:style>
+        <p:txBody>
+          <a:bodyPr rtlCol="0" anchor="ctr"/>
+          <a:lstStyle/>
+          <a:p>
+            <a:pPr marL="0" marR="0" lvl="0" indent="0" algn="ctr" defTabSz="914400" rtl="0" eaLnBrk="1" fontAlgn="auto" latinLnBrk="0" hangingPunct="1">
+              <a:lnSpc>
+                <a:spcPct val="100000"/>
+              </a:lnSpc>
+              <a:spcBef>
+                <a:spcPts val="0"/>
+              </a:spcBef>
+              <a:spcAft>
+                <a:spcPts val="0"/>
+              </a:spcAft>
+              <a:buClrTx/>
+              <a:buSzTx/>
+              <a:buFontTx/>
+              <a:buNone/>
+              <a:tabLst/>
+              <a:defRPr/>
+            </a:pPr>
+            <a:endParaRPr kumimoji="0" lang="pt-BR" sz="1800" b="0" i="0" u="none" strike="noStrike" kern="1200" cap="none" spc="0" normalizeH="0" baseline="0" noProof="0">
+              <a:ln>
+                <a:noFill/>
+              </a:ln>
+              <a:solidFill>
+                <a:prstClr val="white"/>
+              </a:solidFill>
+              <a:effectLst/>
+              <a:uLnTx/>
+              <a:uFillTx/>
+              <a:latin typeface="Calibri" panose="020F0502020204030204"/>
+              <a:ea typeface="+mn-ea"/>
+              <a:cs typeface="+mn-cs"/>
+            </a:endParaRPr>
+          </a:p>
+        </p:txBody>
+      </p:sp>
+      <p:sp>
+        <p:nvSpPr>
+          <p:cNvPr id="13" name="Retângulo 12">
+            <a:extLst>
+              <a:ext uri="{FF2B5EF4-FFF2-40B4-BE49-F238E27FC236}">
+                <a16:creationId xmlns:a16="http://schemas.microsoft.com/office/drawing/2014/main" id="{E91872BE-9C8B-00A1-9287-DA14399C39F0}"/>
+              </a:ext>
+            </a:extLst>
+          </p:cNvPr>
+          <p:cNvSpPr/>
+          <p:nvPr/>
+        </p:nvSpPr>
+        <p:spPr>
+          <a:xfrm>
+            <a:off x="9536939" y="1710136"/>
+            <a:ext cx="1255208" cy="602909"/>
+          </a:xfrm>
+          <a:prstGeom prst="rect">
+            <a:avLst/>
+          </a:prstGeom>
+          <a:solidFill>
+            <a:srgbClr val="E9E9E9"/>
+          </a:solidFill>
+          <a:ln>
+            <a:noFill/>
+          </a:ln>
+        </p:spPr>
+        <p:style>
+          <a:lnRef idx="2">
+            <a:schemeClr val="accent1">
+              <a:shade val="15000"/>
+            </a:schemeClr>
+          </a:lnRef>
+          <a:fillRef idx="1">
+            <a:schemeClr val="accent1"/>
+          </a:fillRef>
+          <a:effectRef idx="0">
+            <a:schemeClr val="accent1"/>
+          </a:effectRef>
+          <a:fontRef idx="minor">
+            <a:schemeClr val="lt1"/>
+          </a:fontRef>
+        </p:style>
+        <p:txBody>
+          <a:bodyPr rtlCol="0" anchor="ctr"/>
+          <a:lstStyle/>
+          <a:p>
+            <a:pPr marL="0" marR="0" lvl="0" indent="0" algn="ctr" defTabSz="914400" rtl="0" eaLnBrk="1" fontAlgn="auto" latinLnBrk="0" hangingPunct="1">
+              <a:lnSpc>
+                <a:spcPct val="100000"/>
+              </a:lnSpc>
+              <a:spcBef>
+                <a:spcPts val="0"/>
+              </a:spcBef>
+              <a:spcAft>
+                <a:spcPts val="0"/>
+              </a:spcAft>
+              <a:buClrTx/>
+              <a:buSzTx/>
+              <a:buFontTx/>
+              <a:buNone/>
+              <a:tabLst/>
+              <a:defRPr/>
+            </a:pPr>
+            <a:endParaRPr kumimoji="0" lang="pt-BR" sz="1800" b="0" i="0" u="none" strike="noStrike" kern="1200" cap="none" spc="0" normalizeH="0" baseline="0" noProof="0">
+              <a:ln>
+                <a:noFill/>
+              </a:ln>
+              <a:solidFill>
+                <a:prstClr val="white"/>
+              </a:solidFill>
+              <a:effectLst/>
+              <a:uLnTx/>
+              <a:uFillTx/>
+              <a:latin typeface="Calibri" panose="020F0502020204030204"/>
+              <a:ea typeface="+mn-ea"/>
+              <a:cs typeface="+mn-cs"/>
+            </a:endParaRPr>
+          </a:p>
+        </p:txBody>
+      </p:sp>
+      <p:sp>
+        <p:nvSpPr>
+          <p:cNvPr id="14" name="Retângulo 13">
+            <a:extLst>
+              <a:ext uri="{FF2B5EF4-FFF2-40B4-BE49-F238E27FC236}">
+                <a16:creationId xmlns:a16="http://schemas.microsoft.com/office/drawing/2014/main" id="{523A171F-F9CE-A489-D7A3-F29EAFD5F624}"/>
+              </a:ext>
+            </a:extLst>
+          </p:cNvPr>
+          <p:cNvSpPr/>
+          <p:nvPr/>
+        </p:nvSpPr>
+        <p:spPr>
+          <a:xfrm>
+            <a:off x="10875829" y="1710136"/>
+            <a:ext cx="1255208" cy="602909"/>
+          </a:xfrm>
+          <a:prstGeom prst="rect">
+            <a:avLst/>
+          </a:prstGeom>
+          <a:solidFill>
+            <a:srgbClr val="E9E9E9"/>
+          </a:solidFill>
+          <a:ln>
+            <a:noFill/>
+          </a:ln>
+        </p:spPr>
+        <p:style>
+          <a:lnRef idx="2">
+            <a:schemeClr val="accent1">
+              <a:shade val="15000"/>
+            </a:schemeClr>
+          </a:lnRef>
+          <a:fillRef idx="1">
+            <a:schemeClr val="accent1"/>
+          </a:fillRef>
+          <a:effectRef idx="0">
+            <a:schemeClr val="accent1"/>
+          </a:effectRef>
+          <a:fontRef idx="minor">
+            <a:schemeClr val="lt1"/>
+          </a:fontRef>
+        </p:style>
+        <p:txBody>
+          <a:bodyPr rtlCol="0" anchor="ctr"/>
+          <a:lstStyle/>
+          <a:p>
+            <a:pPr marL="0" marR="0" lvl="0" indent="0" algn="ctr" defTabSz="914400" rtl="0" eaLnBrk="1" fontAlgn="auto" latinLnBrk="0" hangingPunct="1">
+              <a:lnSpc>
+                <a:spcPct val="100000"/>
+              </a:lnSpc>
+              <a:spcBef>
+                <a:spcPts val="0"/>
+              </a:spcBef>
+              <a:spcAft>
+                <a:spcPts val="0"/>
+              </a:spcAft>
+              <a:buClrTx/>
+              <a:buSzTx/>
+              <a:buFontTx/>
+              <a:buNone/>
+              <a:tabLst/>
+              <a:defRPr/>
+            </a:pPr>
+            <a:endParaRPr kumimoji="0" lang="pt-BR" sz="1800" b="0" i="0" u="none" strike="noStrike" kern="1200" cap="none" spc="0" normalizeH="0" baseline="0" noProof="0">
+              <a:ln>
+                <a:noFill/>
+              </a:ln>
+              <a:solidFill>
+                <a:prstClr val="white"/>
+              </a:solidFill>
+              <a:effectLst/>
+              <a:uLnTx/>
+              <a:uFillTx/>
+              <a:latin typeface="Calibri" panose="020F0502020204030204"/>
+              <a:ea typeface="+mn-ea"/>
+              <a:cs typeface="+mn-cs"/>
+            </a:endParaRPr>
+          </a:p>
+        </p:txBody>
+      </p:sp>
+      <p:sp>
+        <p:nvSpPr>
+          <p:cNvPr id="15" name="Retângulo 14">
+            <a:extLst>
+              <a:ext uri="{FF2B5EF4-FFF2-40B4-BE49-F238E27FC236}">
+                <a16:creationId xmlns:a16="http://schemas.microsoft.com/office/drawing/2014/main" id="{6EA1C7F2-4883-49DE-B9B9-C258D3F96885}"/>
+              </a:ext>
+            </a:extLst>
+          </p:cNvPr>
+          <p:cNvSpPr/>
+          <p:nvPr/>
+        </p:nvSpPr>
+        <p:spPr>
+          <a:xfrm>
+            <a:off x="341191" y="5474043"/>
+            <a:ext cx="536139" cy="198561"/>
+          </a:xfrm>
+          <a:prstGeom prst="rect">
+            <a:avLst/>
+          </a:prstGeom>
+          <a:solidFill>
+            <a:srgbClr val="FFFFFF"/>
+          </a:solidFill>
+          <a:ln>
+            <a:noFill/>
+          </a:ln>
+        </p:spPr>
+        <p:style>
+          <a:lnRef idx="2">
+            <a:schemeClr val="accent1">
+              <a:shade val="15000"/>
+            </a:schemeClr>
+          </a:lnRef>
+          <a:fillRef idx="1">
+            <a:schemeClr val="accent1"/>
+          </a:fillRef>
+          <a:effectRef idx="0">
+            <a:schemeClr val="accent1"/>
+          </a:effectRef>
+          <a:fontRef idx="minor">
+            <a:schemeClr val="lt1"/>
+          </a:fontRef>
+        </p:style>
+        <p:txBody>
+          <a:bodyPr rtlCol="0" anchor="ctr"/>
+          <a:lstStyle/>
+          <a:p>
+            <a:pPr marL="0" marR="0" lvl="0" indent="0" algn="ctr" defTabSz="914400" rtl="0" eaLnBrk="1" fontAlgn="auto" latinLnBrk="0" hangingPunct="1">
+              <a:lnSpc>
+                <a:spcPct val="100000"/>
+              </a:lnSpc>
+              <a:spcBef>
+                <a:spcPts val="0"/>
+              </a:spcBef>
+              <a:spcAft>
+                <a:spcPts val="0"/>
+              </a:spcAft>
+              <a:buClrTx/>
+              <a:buSzTx/>
+              <a:buFontTx/>
+              <a:buNone/>
+              <a:tabLst/>
+              <a:defRPr/>
+            </a:pPr>
+            <a:endParaRPr kumimoji="0" lang="pt-BR" sz="1800" b="0" i="0" u="none" strike="noStrike" kern="1200" cap="none" spc="0" normalizeH="0" baseline="0" noProof="0">
+              <a:ln>
+                <a:noFill/>
+              </a:ln>
+              <a:solidFill>
+                <a:prstClr val="white"/>
+              </a:solidFill>
+              <a:effectLst/>
+              <a:uLnTx/>
+              <a:uFillTx/>
+              <a:latin typeface="Calibri" panose="020F0502020204030204"/>
+              <a:ea typeface="+mn-ea"/>
+              <a:cs typeface="+mn-cs"/>
+            </a:endParaRPr>
+          </a:p>
+        </p:txBody>
+      </p:sp>
+      <p:sp>
+        <p:nvSpPr>
+          <p:cNvPr id="16" name="Retângulo 15">
+            <a:extLst>
+              <a:ext uri="{FF2B5EF4-FFF2-40B4-BE49-F238E27FC236}">
+                <a16:creationId xmlns:a16="http://schemas.microsoft.com/office/drawing/2014/main" id="{B1A4F97B-452D-C39A-972A-8BB4976B3909}"/>
+              </a:ext>
+            </a:extLst>
+          </p:cNvPr>
+          <p:cNvSpPr/>
+          <p:nvPr/>
+        </p:nvSpPr>
+        <p:spPr>
+          <a:xfrm>
+            <a:off x="1202045" y="4472774"/>
+            <a:ext cx="536139" cy="198561"/>
+          </a:xfrm>
+          <a:prstGeom prst="rect">
+            <a:avLst/>
+          </a:prstGeom>
+          <a:solidFill>
+            <a:srgbClr val="FFFFFF"/>
+          </a:solidFill>
+          <a:ln>
+            <a:noFill/>
+          </a:ln>
+        </p:spPr>
+        <p:style>
+          <a:lnRef idx="2">
+            <a:schemeClr val="accent1">
+              <a:shade val="15000"/>
+            </a:schemeClr>
+          </a:lnRef>
+          <a:fillRef idx="1">
+            <a:schemeClr val="accent1"/>
+          </a:fillRef>
+          <a:effectRef idx="0">
+            <a:schemeClr val="accent1"/>
+          </a:effectRef>
+          <a:fontRef idx="minor">
+            <a:schemeClr val="lt1"/>
+          </a:fontRef>
+        </p:style>
+        <p:txBody>
+          <a:bodyPr rtlCol="0" anchor="ctr"/>
+          <a:lstStyle/>
+          <a:p>
+            <a:pPr marL="0" marR="0" lvl="0" indent="0" algn="ctr" defTabSz="914400" rtl="0" eaLnBrk="1" fontAlgn="auto" latinLnBrk="0" hangingPunct="1">
+              <a:lnSpc>
+                <a:spcPct val="100000"/>
+              </a:lnSpc>
+              <a:spcBef>
+                <a:spcPts val="0"/>
+              </a:spcBef>
+              <a:spcAft>
+                <a:spcPts val="0"/>
+              </a:spcAft>
+              <a:buClrTx/>
+              <a:buSzTx/>
+              <a:buFontTx/>
+              <a:buNone/>
+              <a:tabLst/>
+              <a:defRPr/>
+            </a:pPr>
+            <a:endParaRPr kumimoji="0" lang="pt-BR" sz="1800" b="0" i="0" u="none" strike="noStrike" kern="1200" cap="none" spc="0" normalizeH="0" baseline="0" noProof="0">
+              <a:ln>
+                <a:noFill/>
+              </a:ln>
+              <a:solidFill>
+                <a:prstClr val="white"/>
+              </a:solidFill>
+              <a:effectLst/>
+              <a:uLnTx/>
+              <a:uFillTx/>
+              <a:latin typeface="Calibri" panose="020F0502020204030204"/>
+              <a:ea typeface="+mn-ea"/>
+              <a:cs typeface="+mn-cs"/>
+            </a:endParaRPr>
+          </a:p>
+        </p:txBody>
+      </p:sp>
+      <p:sp>
+        <p:nvSpPr>
+          <p:cNvPr id="17" name="Retângulo 16">
+            <a:extLst>
+              <a:ext uri="{FF2B5EF4-FFF2-40B4-BE49-F238E27FC236}">
+                <a16:creationId xmlns:a16="http://schemas.microsoft.com/office/drawing/2014/main" id="{EFBF4C65-0C1B-FE54-BE9E-8E2BFEFC4888}"/>
+              </a:ext>
+            </a:extLst>
+          </p:cNvPr>
+          <p:cNvSpPr/>
+          <p:nvPr/>
+        </p:nvSpPr>
+        <p:spPr>
+          <a:xfrm>
+            <a:off x="2375937" y="5424616"/>
+            <a:ext cx="536139" cy="148707"/>
+          </a:xfrm>
+          <a:prstGeom prst="rect">
+            <a:avLst/>
+          </a:prstGeom>
+          <a:solidFill>
+            <a:srgbClr val="FFFFFF"/>
+          </a:solidFill>
+          <a:ln>
+            <a:noFill/>
+          </a:ln>
+        </p:spPr>
+        <p:style>
+          <a:lnRef idx="2">
+            <a:schemeClr val="accent1">
+              <a:shade val="15000"/>
+            </a:schemeClr>
+          </a:lnRef>
+          <a:fillRef idx="1">
+            <a:schemeClr val="accent1"/>
+          </a:fillRef>
+          <a:effectRef idx="0">
+            <a:schemeClr val="accent1"/>
+          </a:effectRef>
+          <a:fontRef idx="minor">
+            <a:schemeClr val="lt1"/>
+          </a:fontRef>
+        </p:style>
+        <p:txBody>
+          <a:bodyPr rtlCol="0" anchor="ctr"/>
+          <a:lstStyle/>
+          <a:p>
+            <a:pPr marL="0" marR="0" lvl="0" indent="0" algn="ctr" defTabSz="914400" rtl="0" eaLnBrk="1" fontAlgn="auto" latinLnBrk="0" hangingPunct="1">
+              <a:lnSpc>
+                <a:spcPct val="100000"/>
+              </a:lnSpc>
+              <a:spcBef>
+                <a:spcPts val="0"/>
+              </a:spcBef>
+              <a:spcAft>
+                <a:spcPts val="0"/>
+              </a:spcAft>
+              <a:buClrTx/>
+              <a:buSzTx/>
+              <a:buFontTx/>
+              <a:buNone/>
+              <a:tabLst/>
+              <a:defRPr/>
+            </a:pPr>
+            <a:endParaRPr kumimoji="0" lang="pt-BR" sz="1800" b="0" i="0" u="none" strike="noStrike" kern="1200" cap="none" spc="0" normalizeH="0" baseline="0" noProof="0">
+              <a:ln>
+                <a:noFill/>
+              </a:ln>
+              <a:solidFill>
+                <a:prstClr val="white"/>
+              </a:solidFill>
+              <a:effectLst/>
+              <a:uLnTx/>
+              <a:uFillTx/>
+              <a:latin typeface="Calibri" panose="020F0502020204030204"/>
+              <a:ea typeface="+mn-ea"/>
+              <a:cs typeface="+mn-cs"/>
+            </a:endParaRPr>
+          </a:p>
+        </p:txBody>
+      </p:sp>
+      <p:sp>
+        <p:nvSpPr>
+          <p:cNvPr id="18" name="Retângulo 17">
+            <a:extLst>
+              <a:ext uri="{FF2B5EF4-FFF2-40B4-BE49-F238E27FC236}">
+                <a16:creationId xmlns:a16="http://schemas.microsoft.com/office/drawing/2014/main" id="{427B9650-6A6F-640F-1634-46B01A8D2874}"/>
+              </a:ext>
+            </a:extLst>
+          </p:cNvPr>
+          <p:cNvSpPr/>
+          <p:nvPr/>
+        </p:nvSpPr>
+        <p:spPr>
+          <a:xfrm>
+            <a:off x="3187741" y="4258962"/>
+            <a:ext cx="536139" cy="148707"/>
+          </a:xfrm>
+          <a:prstGeom prst="rect">
+            <a:avLst/>
+          </a:prstGeom>
+          <a:solidFill>
+            <a:srgbClr val="FFFFFF"/>
+          </a:solidFill>
+          <a:ln>
+            <a:noFill/>
+          </a:ln>
+        </p:spPr>
+        <p:style>
+          <a:lnRef idx="2">
+            <a:schemeClr val="accent1">
+              <a:shade val="15000"/>
+            </a:schemeClr>
+          </a:lnRef>
+          <a:fillRef idx="1">
+            <a:schemeClr val="accent1"/>
+          </a:fillRef>
+          <a:effectRef idx="0">
+            <a:schemeClr val="accent1"/>
+          </a:effectRef>
+          <a:fontRef idx="minor">
+            <a:schemeClr val="lt1"/>
+          </a:fontRef>
+        </p:style>
+        <p:txBody>
+          <a:bodyPr rtlCol="0" anchor="ctr"/>
+          <a:lstStyle/>
+          <a:p>
+            <a:pPr marL="0" marR="0" lvl="0" indent="0" algn="ctr" defTabSz="914400" rtl="0" eaLnBrk="1" fontAlgn="auto" latinLnBrk="0" hangingPunct="1">
+              <a:lnSpc>
+                <a:spcPct val="100000"/>
+              </a:lnSpc>
+              <a:spcBef>
+                <a:spcPts val="0"/>
+              </a:spcBef>
+              <a:spcAft>
+                <a:spcPts val="0"/>
+              </a:spcAft>
+              <a:buClrTx/>
+              <a:buSzTx/>
+              <a:buFontTx/>
+              <a:buNone/>
+              <a:tabLst/>
+              <a:defRPr/>
+            </a:pPr>
+            <a:endParaRPr kumimoji="0" lang="pt-BR" sz="1800" b="0" i="0" u="none" strike="noStrike" kern="1200" cap="none" spc="0" normalizeH="0" baseline="0" noProof="0">
+              <a:ln>
+                <a:noFill/>
+              </a:ln>
+              <a:solidFill>
+                <a:prstClr val="white"/>
+              </a:solidFill>
+              <a:effectLst/>
+              <a:uLnTx/>
+              <a:uFillTx/>
+              <a:latin typeface="Calibri" panose="020F0502020204030204"/>
+              <a:ea typeface="+mn-ea"/>
+              <a:cs typeface="+mn-cs"/>
+            </a:endParaRPr>
+          </a:p>
+        </p:txBody>
+      </p:sp>
+      <p:sp>
+        <p:nvSpPr>
+          <p:cNvPr id="19" name="Retângulo 18">
+            <a:extLst>
+              <a:ext uri="{FF2B5EF4-FFF2-40B4-BE49-F238E27FC236}">
+                <a16:creationId xmlns:a16="http://schemas.microsoft.com/office/drawing/2014/main" id="{3CFD1F09-5B7B-D7A0-2718-277F0F5DE4A2}"/>
+              </a:ext>
+            </a:extLst>
+          </p:cNvPr>
+          <p:cNvSpPr/>
+          <p:nvPr/>
+        </p:nvSpPr>
+        <p:spPr>
+          <a:xfrm>
+            <a:off x="4324186" y="5226908"/>
+            <a:ext cx="536139" cy="148707"/>
+          </a:xfrm>
+          <a:prstGeom prst="rect">
+            <a:avLst/>
+          </a:prstGeom>
+          <a:solidFill>
+            <a:srgbClr val="FFFFFF"/>
+          </a:solidFill>
+          <a:ln>
+            <a:noFill/>
+          </a:ln>
+        </p:spPr>
+        <p:style>
+          <a:lnRef idx="2">
+            <a:schemeClr val="accent1">
+              <a:shade val="15000"/>
+            </a:schemeClr>
+          </a:lnRef>
+          <a:fillRef idx="1">
+            <a:schemeClr val="accent1"/>
+          </a:fillRef>
+          <a:effectRef idx="0">
+            <a:schemeClr val="accent1"/>
+          </a:effectRef>
+          <a:fontRef idx="minor">
+            <a:schemeClr val="lt1"/>
+          </a:fontRef>
+        </p:style>
+        <p:txBody>
+          <a:bodyPr rtlCol="0" anchor="ctr"/>
+          <a:lstStyle/>
+          <a:p>
+            <a:pPr marL="0" marR="0" lvl="0" indent="0" algn="ctr" defTabSz="914400" rtl="0" eaLnBrk="1" fontAlgn="auto" latinLnBrk="0" hangingPunct="1">
+              <a:lnSpc>
+                <a:spcPct val="100000"/>
+              </a:lnSpc>
+              <a:spcBef>
+                <a:spcPts val="0"/>
+              </a:spcBef>
+              <a:spcAft>
+                <a:spcPts val="0"/>
+              </a:spcAft>
+              <a:buClrTx/>
+              <a:buSzTx/>
+              <a:buFontTx/>
+              <a:buNone/>
+              <a:tabLst/>
+              <a:defRPr/>
+            </a:pPr>
+            <a:endParaRPr kumimoji="0" lang="pt-BR" sz="1800" b="0" i="0" u="none" strike="noStrike" kern="1200" cap="none" spc="0" normalizeH="0" baseline="0" noProof="0">
+              <a:ln>
+                <a:noFill/>
+              </a:ln>
+              <a:solidFill>
+                <a:prstClr val="white"/>
+              </a:solidFill>
+              <a:effectLst/>
+              <a:uLnTx/>
+              <a:uFillTx/>
+              <a:latin typeface="Calibri" panose="020F0502020204030204"/>
+              <a:ea typeface="+mn-ea"/>
+              <a:cs typeface="+mn-cs"/>
+            </a:endParaRPr>
+          </a:p>
+        </p:txBody>
+      </p:sp>
+      <p:sp>
+        <p:nvSpPr>
+          <p:cNvPr id="20" name="Retângulo 19">
+            <a:extLst>
+              <a:ext uri="{FF2B5EF4-FFF2-40B4-BE49-F238E27FC236}">
+                <a16:creationId xmlns:a16="http://schemas.microsoft.com/office/drawing/2014/main" id="{5B92E0EC-ED94-8539-A63C-DEEB9F607769}"/>
+              </a:ext>
+            </a:extLst>
+          </p:cNvPr>
+          <p:cNvSpPr/>
+          <p:nvPr/>
+        </p:nvSpPr>
+        <p:spPr>
+          <a:xfrm>
+            <a:off x="5173060" y="3455853"/>
+            <a:ext cx="536139" cy="148707"/>
+          </a:xfrm>
+          <a:prstGeom prst="rect">
+            <a:avLst/>
+          </a:prstGeom>
+          <a:solidFill>
+            <a:srgbClr val="FFFFFF"/>
+          </a:solidFill>
+          <a:ln>
+            <a:noFill/>
+          </a:ln>
+        </p:spPr>
+        <p:style>
+          <a:lnRef idx="2">
+            <a:schemeClr val="accent1">
+              <a:shade val="15000"/>
+            </a:schemeClr>
+          </a:lnRef>
+          <a:fillRef idx="1">
+            <a:schemeClr val="accent1"/>
+          </a:fillRef>
+          <a:effectRef idx="0">
+            <a:schemeClr val="accent1"/>
+          </a:effectRef>
+          <a:fontRef idx="minor">
+            <a:schemeClr val="lt1"/>
+          </a:fontRef>
+        </p:style>
+        <p:txBody>
+          <a:bodyPr rtlCol="0" anchor="ctr"/>
+          <a:lstStyle/>
+          <a:p>
+            <a:pPr marL="0" marR="0" lvl="0" indent="0" algn="ctr" defTabSz="914400" rtl="0" eaLnBrk="1" fontAlgn="auto" latinLnBrk="0" hangingPunct="1">
+              <a:lnSpc>
+                <a:spcPct val="100000"/>
+              </a:lnSpc>
+              <a:spcBef>
+                <a:spcPts val="0"/>
+              </a:spcBef>
+              <a:spcAft>
+                <a:spcPts val="0"/>
+              </a:spcAft>
+              <a:buClrTx/>
+              <a:buSzTx/>
+              <a:buFontTx/>
+              <a:buNone/>
+              <a:tabLst/>
+              <a:defRPr/>
+            </a:pPr>
+            <a:endParaRPr kumimoji="0" lang="pt-BR" sz="1800" b="0" i="0" u="none" strike="noStrike" kern="1200" cap="none" spc="0" normalizeH="0" baseline="0" noProof="0">
+              <a:ln>
+                <a:noFill/>
+              </a:ln>
+              <a:solidFill>
+                <a:prstClr val="white"/>
+              </a:solidFill>
+              <a:effectLst/>
+              <a:uLnTx/>
+              <a:uFillTx/>
+              <a:latin typeface="Calibri" panose="020F0502020204030204"/>
+              <a:ea typeface="+mn-ea"/>
+              <a:cs typeface="+mn-cs"/>
+            </a:endParaRPr>
+          </a:p>
+        </p:txBody>
+      </p:sp>
+      <p:sp>
+        <p:nvSpPr>
+          <p:cNvPr id="21" name="Retângulo 20">
+            <a:extLst>
+              <a:ext uri="{FF2B5EF4-FFF2-40B4-BE49-F238E27FC236}">
+                <a16:creationId xmlns:a16="http://schemas.microsoft.com/office/drawing/2014/main" id="{7D701D50-04E6-532B-2FFD-536B8AB80884}"/>
+              </a:ext>
+            </a:extLst>
+          </p:cNvPr>
+          <p:cNvSpPr/>
+          <p:nvPr/>
+        </p:nvSpPr>
+        <p:spPr>
+          <a:xfrm>
+            <a:off x="6292540" y="5424615"/>
+            <a:ext cx="536139" cy="148707"/>
+          </a:xfrm>
+          <a:prstGeom prst="rect">
+            <a:avLst/>
+          </a:prstGeom>
+          <a:solidFill>
+            <a:srgbClr val="FFFFFF"/>
+          </a:solidFill>
+          <a:ln>
+            <a:noFill/>
+          </a:ln>
+        </p:spPr>
+        <p:style>
+          <a:lnRef idx="2">
+            <a:schemeClr val="accent1">
+              <a:shade val="15000"/>
+            </a:schemeClr>
+          </a:lnRef>
+          <a:fillRef idx="1">
+            <a:schemeClr val="accent1"/>
+          </a:fillRef>
+          <a:effectRef idx="0">
+            <a:schemeClr val="accent1"/>
+          </a:effectRef>
+          <a:fontRef idx="minor">
+            <a:schemeClr val="lt1"/>
+          </a:fontRef>
+        </p:style>
+        <p:txBody>
+          <a:bodyPr rtlCol="0" anchor="ctr"/>
+          <a:lstStyle/>
+          <a:p>
+            <a:pPr marL="0" marR="0" lvl="0" indent="0" algn="ctr" defTabSz="914400" rtl="0" eaLnBrk="1" fontAlgn="auto" latinLnBrk="0" hangingPunct="1">
+              <a:lnSpc>
+                <a:spcPct val="100000"/>
+              </a:lnSpc>
+              <a:spcBef>
+                <a:spcPts val="0"/>
+              </a:spcBef>
+              <a:spcAft>
+                <a:spcPts val="0"/>
+              </a:spcAft>
+              <a:buClrTx/>
+              <a:buSzTx/>
+              <a:buFontTx/>
+              <a:buNone/>
+              <a:tabLst/>
+              <a:defRPr/>
+            </a:pPr>
+            <a:endParaRPr kumimoji="0" lang="pt-BR" sz="1800" b="0" i="0" u="none" strike="noStrike" kern="1200" cap="none" spc="0" normalizeH="0" baseline="0" noProof="0">
+              <a:ln>
+                <a:noFill/>
+              </a:ln>
+              <a:solidFill>
+                <a:prstClr val="white"/>
+              </a:solidFill>
+              <a:effectLst/>
+              <a:uLnTx/>
+              <a:uFillTx/>
+              <a:latin typeface="Calibri" panose="020F0502020204030204"/>
+              <a:ea typeface="+mn-ea"/>
+              <a:cs typeface="+mn-cs"/>
+            </a:endParaRPr>
+          </a:p>
+        </p:txBody>
+      </p:sp>
+      <p:sp>
+        <p:nvSpPr>
+          <p:cNvPr id="22" name="Retângulo 21">
+            <a:extLst>
+              <a:ext uri="{FF2B5EF4-FFF2-40B4-BE49-F238E27FC236}">
+                <a16:creationId xmlns:a16="http://schemas.microsoft.com/office/drawing/2014/main" id="{9ADE69A1-D4D7-0316-801E-43CFD3FF960D}"/>
+              </a:ext>
+            </a:extLst>
+          </p:cNvPr>
+          <p:cNvSpPr/>
+          <p:nvPr/>
+        </p:nvSpPr>
+        <p:spPr>
+          <a:xfrm>
+            <a:off x="7046302" y="4398420"/>
+            <a:ext cx="536139" cy="148707"/>
+          </a:xfrm>
+          <a:prstGeom prst="rect">
+            <a:avLst/>
+          </a:prstGeom>
+          <a:solidFill>
+            <a:srgbClr val="FFFFFF"/>
+          </a:solidFill>
+          <a:ln>
+            <a:noFill/>
+          </a:ln>
+        </p:spPr>
+        <p:style>
+          <a:lnRef idx="2">
+            <a:schemeClr val="accent1">
+              <a:shade val="15000"/>
+            </a:schemeClr>
+          </a:lnRef>
+          <a:fillRef idx="1">
+            <a:schemeClr val="accent1"/>
+          </a:fillRef>
+          <a:effectRef idx="0">
+            <a:schemeClr val="accent1"/>
+          </a:effectRef>
+          <a:fontRef idx="minor">
+            <a:schemeClr val="lt1"/>
+          </a:fontRef>
+        </p:style>
+        <p:txBody>
+          <a:bodyPr rtlCol="0" anchor="ctr"/>
+          <a:lstStyle/>
+          <a:p>
+            <a:pPr marL="0" marR="0" lvl="0" indent="0" algn="ctr" defTabSz="914400" rtl="0" eaLnBrk="1" fontAlgn="auto" latinLnBrk="0" hangingPunct="1">
+              <a:lnSpc>
+                <a:spcPct val="100000"/>
+              </a:lnSpc>
+              <a:spcBef>
+                <a:spcPts val="0"/>
+              </a:spcBef>
+              <a:spcAft>
+                <a:spcPts val="0"/>
+              </a:spcAft>
+              <a:buClrTx/>
+              <a:buSzTx/>
+              <a:buFontTx/>
+              <a:buNone/>
+              <a:tabLst/>
+              <a:defRPr/>
+            </a:pPr>
+            <a:endParaRPr kumimoji="0" lang="pt-BR" sz="1800" b="0" i="0" u="none" strike="noStrike" kern="1200" cap="none" spc="0" normalizeH="0" baseline="0" noProof="0">
+              <a:ln>
+                <a:noFill/>
+              </a:ln>
+              <a:solidFill>
+                <a:prstClr val="white"/>
+              </a:solidFill>
+              <a:effectLst/>
+              <a:uLnTx/>
+              <a:uFillTx/>
+              <a:latin typeface="Calibri" panose="020F0502020204030204"/>
+              <a:ea typeface="+mn-ea"/>
+              <a:cs typeface="+mn-cs"/>
+            </a:endParaRPr>
+          </a:p>
+        </p:txBody>
+      </p:sp>
+      <p:sp>
+        <p:nvSpPr>
+          <p:cNvPr id="23" name="Retângulo 22">
+            <a:extLst>
+              <a:ext uri="{FF2B5EF4-FFF2-40B4-BE49-F238E27FC236}">
+                <a16:creationId xmlns:a16="http://schemas.microsoft.com/office/drawing/2014/main" id="{85E0C387-8B4E-40AA-3F05-AA530EA3CF68}"/>
+              </a:ext>
+            </a:extLst>
+          </p:cNvPr>
+          <p:cNvSpPr/>
+          <p:nvPr/>
+        </p:nvSpPr>
+        <p:spPr>
+          <a:xfrm>
+            <a:off x="7765650" y="5152554"/>
+            <a:ext cx="536139" cy="148707"/>
+          </a:xfrm>
+          <a:prstGeom prst="rect">
+            <a:avLst/>
+          </a:prstGeom>
+          <a:solidFill>
+            <a:srgbClr val="FFFFFF"/>
+          </a:solidFill>
+          <a:ln>
+            <a:noFill/>
+          </a:ln>
+        </p:spPr>
+        <p:style>
+          <a:lnRef idx="2">
+            <a:schemeClr val="accent1">
+              <a:shade val="15000"/>
+            </a:schemeClr>
+          </a:lnRef>
+          <a:fillRef idx="1">
+            <a:schemeClr val="accent1"/>
+          </a:fillRef>
+          <a:effectRef idx="0">
+            <a:schemeClr val="accent1"/>
+          </a:effectRef>
+          <a:fontRef idx="minor">
+            <a:schemeClr val="lt1"/>
+          </a:fontRef>
+        </p:style>
+        <p:txBody>
+          <a:bodyPr rtlCol="0" anchor="ctr"/>
+          <a:lstStyle/>
+          <a:p>
+            <a:pPr marL="0" marR="0" lvl="0" indent="0" algn="ctr" defTabSz="914400" rtl="0" eaLnBrk="1" fontAlgn="auto" latinLnBrk="0" hangingPunct="1">
+              <a:lnSpc>
+                <a:spcPct val="100000"/>
+              </a:lnSpc>
+              <a:spcBef>
+                <a:spcPts val="0"/>
+              </a:spcBef>
+              <a:spcAft>
+                <a:spcPts val="0"/>
+              </a:spcAft>
+              <a:buClrTx/>
+              <a:buSzTx/>
+              <a:buFontTx/>
+              <a:buNone/>
+              <a:tabLst/>
+              <a:defRPr/>
+            </a:pPr>
+            <a:endParaRPr kumimoji="0" lang="pt-BR" sz="1800" b="0" i="0" u="none" strike="noStrike" kern="1200" cap="none" spc="0" normalizeH="0" baseline="0" noProof="0">
+              <a:ln>
+                <a:noFill/>
+              </a:ln>
+              <a:solidFill>
+                <a:prstClr val="white"/>
+              </a:solidFill>
+              <a:effectLst/>
+              <a:uLnTx/>
+              <a:uFillTx/>
+              <a:latin typeface="Calibri" panose="020F0502020204030204"/>
+              <a:ea typeface="+mn-ea"/>
+              <a:cs typeface="+mn-cs"/>
+            </a:endParaRPr>
+          </a:p>
+        </p:txBody>
+      </p:sp>
+      <p:sp>
+        <p:nvSpPr>
+          <p:cNvPr id="24" name="Retângulo 23">
+            <a:extLst>
+              <a:ext uri="{FF2B5EF4-FFF2-40B4-BE49-F238E27FC236}">
+                <a16:creationId xmlns:a16="http://schemas.microsoft.com/office/drawing/2014/main" id="{7FEBE1BF-2EC7-0F57-62CA-A1454FB2F8DC}"/>
+              </a:ext>
+            </a:extLst>
+          </p:cNvPr>
+          <p:cNvSpPr/>
+          <p:nvPr/>
+        </p:nvSpPr>
+        <p:spPr>
+          <a:xfrm>
+            <a:off x="8473556" y="3542563"/>
+            <a:ext cx="536139" cy="148707"/>
+          </a:xfrm>
+          <a:prstGeom prst="rect">
+            <a:avLst/>
+          </a:prstGeom>
+          <a:solidFill>
+            <a:srgbClr val="FFFFFF"/>
+          </a:solidFill>
+          <a:ln>
+            <a:noFill/>
+          </a:ln>
+        </p:spPr>
+        <p:style>
+          <a:lnRef idx="2">
+            <a:schemeClr val="accent1">
+              <a:shade val="15000"/>
+            </a:schemeClr>
+          </a:lnRef>
+          <a:fillRef idx="1">
+            <a:schemeClr val="accent1"/>
+          </a:fillRef>
+          <a:effectRef idx="0">
+            <a:schemeClr val="accent1"/>
+          </a:effectRef>
+          <a:fontRef idx="minor">
+            <a:schemeClr val="lt1"/>
+          </a:fontRef>
+        </p:style>
+        <p:txBody>
+          <a:bodyPr rtlCol="0" anchor="ctr"/>
+          <a:lstStyle/>
+          <a:p>
+            <a:pPr marL="0" marR="0" lvl="0" indent="0" algn="ctr" defTabSz="914400" rtl="0" eaLnBrk="1" fontAlgn="auto" latinLnBrk="0" hangingPunct="1">
+              <a:lnSpc>
+                <a:spcPct val="100000"/>
+              </a:lnSpc>
+              <a:spcBef>
+                <a:spcPts val="0"/>
+              </a:spcBef>
+              <a:spcAft>
+                <a:spcPts val="0"/>
+              </a:spcAft>
+              <a:buClrTx/>
+              <a:buSzTx/>
+              <a:buFontTx/>
+              <a:buNone/>
+              <a:tabLst/>
+              <a:defRPr/>
+            </a:pPr>
+            <a:endParaRPr kumimoji="0" lang="pt-BR" sz="1800" b="0" i="0" u="none" strike="noStrike" kern="1200" cap="none" spc="0" normalizeH="0" baseline="0" noProof="0">
+              <a:ln>
+                <a:noFill/>
+              </a:ln>
+              <a:solidFill>
+                <a:prstClr val="white"/>
+              </a:solidFill>
+              <a:effectLst/>
+              <a:uLnTx/>
+              <a:uFillTx/>
+              <a:latin typeface="Calibri" panose="020F0502020204030204"/>
+              <a:ea typeface="+mn-ea"/>
+              <a:cs typeface="+mn-cs"/>
+            </a:endParaRPr>
+          </a:p>
+        </p:txBody>
+      </p:sp>
+      <p:sp>
+        <p:nvSpPr>
+          <p:cNvPr id="25" name="Retângulo 24">
+            <a:extLst>
+              <a:ext uri="{FF2B5EF4-FFF2-40B4-BE49-F238E27FC236}">
+                <a16:creationId xmlns:a16="http://schemas.microsoft.com/office/drawing/2014/main" id="{405398C7-0AE3-3987-FD8E-80EDEAF33775}"/>
+              </a:ext>
+            </a:extLst>
+          </p:cNvPr>
+          <p:cNvSpPr/>
+          <p:nvPr/>
+        </p:nvSpPr>
+        <p:spPr>
+          <a:xfrm>
+            <a:off x="9927534" y="3937979"/>
+            <a:ext cx="536139" cy="148707"/>
+          </a:xfrm>
+          <a:prstGeom prst="rect">
+            <a:avLst/>
+          </a:prstGeom>
+          <a:solidFill>
+            <a:srgbClr val="FFFFFF"/>
+          </a:solidFill>
+          <a:ln>
+            <a:noFill/>
+          </a:ln>
+        </p:spPr>
+        <p:style>
+          <a:lnRef idx="2">
+            <a:schemeClr val="accent1">
+              <a:shade val="15000"/>
+            </a:schemeClr>
+          </a:lnRef>
+          <a:fillRef idx="1">
+            <a:schemeClr val="accent1"/>
+          </a:fillRef>
+          <a:effectRef idx="0">
+            <a:schemeClr val="accent1"/>
+          </a:effectRef>
+          <a:fontRef idx="minor">
+            <a:schemeClr val="lt1"/>
+          </a:fontRef>
+        </p:style>
+        <p:txBody>
+          <a:bodyPr rtlCol="0" anchor="ctr"/>
+          <a:lstStyle/>
+          <a:p>
+            <a:pPr marL="0" marR="0" lvl="0" indent="0" algn="ctr" defTabSz="914400" rtl="0" eaLnBrk="1" fontAlgn="auto" latinLnBrk="0" hangingPunct="1">
+              <a:lnSpc>
+                <a:spcPct val="100000"/>
+              </a:lnSpc>
+              <a:spcBef>
+                <a:spcPts val="0"/>
+              </a:spcBef>
+              <a:spcAft>
+                <a:spcPts val="0"/>
+              </a:spcAft>
+              <a:buClrTx/>
+              <a:buSzTx/>
+              <a:buFontTx/>
+              <a:buNone/>
+              <a:tabLst/>
+              <a:defRPr/>
+            </a:pPr>
+            <a:endParaRPr kumimoji="0" lang="pt-BR" sz="1800" b="0" i="0" u="none" strike="noStrike" kern="1200" cap="none" spc="0" normalizeH="0" baseline="0" noProof="0">
+              <a:ln>
+                <a:noFill/>
+              </a:ln>
+              <a:solidFill>
+                <a:prstClr val="white"/>
+              </a:solidFill>
+              <a:effectLst/>
+              <a:uLnTx/>
+              <a:uFillTx/>
+              <a:latin typeface="Calibri" panose="020F0502020204030204"/>
+              <a:ea typeface="+mn-ea"/>
+              <a:cs typeface="+mn-cs"/>
+            </a:endParaRPr>
+          </a:p>
+        </p:txBody>
+      </p:sp>
+      <p:sp>
+        <p:nvSpPr>
+          <p:cNvPr id="26" name="Retângulo 25">
+            <a:extLst>
+              <a:ext uri="{FF2B5EF4-FFF2-40B4-BE49-F238E27FC236}">
+                <a16:creationId xmlns:a16="http://schemas.microsoft.com/office/drawing/2014/main" id="{20B46BCA-A683-6DF6-24C7-BC52007F57B4}"/>
+              </a:ext>
+            </a:extLst>
+          </p:cNvPr>
+          <p:cNvSpPr/>
+          <p:nvPr/>
+        </p:nvSpPr>
+        <p:spPr>
+          <a:xfrm>
+            <a:off x="10570085" y="5573322"/>
+            <a:ext cx="536139" cy="273556"/>
+          </a:xfrm>
+          <a:prstGeom prst="rect">
+            <a:avLst/>
+          </a:prstGeom>
+          <a:solidFill>
+            <a:srgbClr val="FFFFFF"/>
+          </a:solidFill>
+          <a:ln>
+            <a:noFill/>
+          </a:ln>
+        </p:spPr>
+        <p:style>
+          <a:lnRef idx="2">
+            <a:schemeClr val="accent1">
+              <a:shade val="15000"/>
+            </a:schemeClr>
+          </a:lnRef>
+          <a:fillRef idx="1">
+            <a:schemeClr val="accent1"/>
+          </a:fillRef>
+          <a:effectRef idx="0">
+            <a:schemeClr val="accent1"/>
+          </a:effectRef>
+          <a:fontRef idx="minor">
+            <a:schemeClr val="lt1"/>
+          </a:fontRef>
+        </p:style>
+        <p:txBody>
+          <a:bodyPr rtlCol="0" anchor="ctr"/>
+          <a:lstStyle/>
+          <a:p>
+            <a:pPr marL="0" marR="0" lvl="0" indent="0" algn="ctr" defTabSz="914400" rtl="0" eaLnBrk="1" fontAlgn="auto" latinLnBrk="0" hangingPunct="1">
+              <a:lnSpc>
+                <a:spcPct val="100000"/>
+              </a:lnSpc>
+              <a:spcBef>
+                <a:spcPts val="0"/>
+              </a:spcBef>
+              <a:spcAft>
+                <a:spcPts val="0"/>
+              </a:spcAft>
+              <a:buClrTx/>
+              <a:buSzTx/>
+              <a:buFontTx/>
+              <a:buNone/>
+              <a:tabLst/>
+              <a:defRPr/>
+            </a:pPr>
+            <a:endParaRPr kumimoji="0" lang="pt-BR" sz="1800" b="0" i="0" u="none" strike="noStrike" kern="1200" cap="none" spc="0" normalizeH="0" baseline="0" noProof="0">
+              <a:ln>
+                <a:noFill/>
+              </a:ln>
+              <a:solidFill>
+                <a:prstClr val="white"/>
+              </a:solidFill>
+              <a:effectLst/>
+              <a:uLnTx/>
+              <a:uFillTx/>
+              <a:latin typeface="Calibri" panose="020F0502020204030204"/>
+              <a:ea typeface="+mn-ea"/>
+              <a:cs typeface="+mn-cs"/>
+            </a:endParaRPr>
+          </a:p>
+        </p:txBody>
+      </p:sp>
+      <p:sp>
+        <p:nvSpPr>
+          <p:cNvPr id="27" name="Retângulo 26">
+            <a:extLst>
+              <a:ext uri="{FF2B5EF4-FFF2-40B4-BE49-F238E27FC236}">
+                <a16:creationId xmlns:a16="http://schemas.microsoft.com/office/drawing/2014/main" id="{FB91F773-54AB-D034-1CB2-DB7EB25BAB6F}"/>
+              </a:ext>
+            </a:extLst>
+          </p:cNvPr>
+          <p:cNvSpPr/>
+          <p:nvPr/>
+        </p:nvSpPr>
+        <p:spPr>
+          <a:xfrm>
+            <a:off x="9242270" y="5424615"/>
+            <a:ext cx="536139" cy="148707"/>
+          </a:xfrm>
+          <a:prstGeom prst="rect">
+            <a:avLst/>
+          </a:prstGeom>
+          <a:solidFill>
+            <a:srgbClr val="FFFFFF"/>
+          </a:solidFill>
+          <a:ln>
+            <a:noFill/>
+          </a:ln>
+        </p:spPr>
+        <p:style>
+          <a:lnRef idx="2">
+            <a:schemeClr val="accent1">
+              <a:shade val="15000"/>
+            </a:schemeClr>
+          </a:lnRef>
+          <a:fillRef idx="1">
+            <a:schemeClr val="accent1"/>
+          </a:fillRef>
+          <a:effectRef idx="0">
+            <a:schemeClr val="accent1"/>
+          </a:effectRef>
+          <a:fontRef idx="minor">
+            <a:schemeClr val="lt1"/>
+          </a:fontRef>
+        </p:style>
+        <p:txBody>
+          <a:bodyPr rtlCol="0" anchor="ctr"/>
+          <a:lstStyle/>
+          <a:p>
+            <a:pPr marL="0" marR="0" lvl="0" indent="0" algn="ctr" defTabSz="914400" rtl="0" eaLnBrk="1" fontAlgn="auto" latinLnBrk="0" hangingPunct="1">
+              <a:lnSpc>
+                <a:spcPct val="100000"/>
+              </a:lnSpc>
+              <a:spcBef>
+                <a:spcPts val="0"/>
+              </a:spcBef>
+              <a:spcAft>
+                <a:spcPts val="0"/>
+              </a:spcAft>
+              <a:buClrTx/>
+              <a:buSzTx/>
+              <a:buFontTx/>
+              <a:buNone/>
+              <a:tabLst/>
+              <a:defRPr/>
+            </a:pPr>
+            <a:endParaRPr kumimoji="0" lang="pt-BR" sz="1800" b="0" i="0" u="none" strike="noStrike" kern="1200" cap="none" spc="0" normalizeH="0" baseline="0" noProof="0">
+              <a:ln>
+                <a:noFill/>
+              </a:ln>
+              <a:solidFill>
+                <a:prstClr val="white"/>
+              </a:solidFill>
+              <a:effectLst/>
+              <a:uLnTx/>
+              <a:uFillTx/>
+              <a:latin typeface="Calibri" panose="020F0502020204030204"/>
+              <a:ea typeface="+mn-ea"/>
+              <a:cs typeface="+mn-cs"/>
+            </a:endParaRPr>
+          </a:p>
+        </p:txBody>
+      </p:sp>
+      <p:sp>
+        <p:nvSpPr>
+          <p:cNvPr id="28" name="Retângulo 27">
+            <a:extLst>
+              <a:ext uri="{FF2B5EF4-FFF2-40B4-BE49-F238E27FC236}">
+                <a16:creationId xmlns:a16="http://schemas.microsoft.com/office/drawing/2014/main" id="{73FAF7B0-D0C8-4BB9-44EB-92A3362DC227}"/>
+              </a:ext>
+            </a:extLst>
+          </p:cNvPr>
+          <p:cNvSpPr/>
+          <p:nvPr/>
+        </p:nvSpPr>
+        <p:spPr>
+          <a:xfrm>
+            <a:off x="10753913" y="5698171"/>
+            <a:ext cx="536139" cy="148707"/>
+          </a:xfrm>
+          <a:prstGeom prst="rect">
+            <a:avLst/>
+          </a:prstGeom>
+          <a:solidFill>
+            <a:srgbClr val="FFFFFF"/>
+          </a:solidFill>
+          <a:ln>
+            <a:noFill/>
+          </a:ln>
+        </p:spPr>
+        <p:style>
+          <a:lnRef idx="2">
+            <a:schemeClr val="accent1">
+              <a:shade val="15000"/>
+            </a:schemeClr>
+          </a:lnRef>
+          <a:fillRef idx="1">
+            <a:schemeClr val="accent1"/>
+          </a:fillRef>
+          <a:effectRef idx="0">
+            <a:schemeClr val="accent1"/>
+          </a:effectRef>
+          <a:fontRef idx="minor">
+            <a:schemeClr val="lt1"/>
+          </a:fontRef>
+        </p:style>
+        <p:txBody>
+          <a:bodyPr rtlCol="0" anchor="ctr"/>
+          <a:lstStyle/>
+          <a:p>
+            <a:pPr marL="0" marR="0" lvl="0" indent="0" algn="ctr" defTabSz="914400" rtl="0" eaLnBrk="1" fontAlgn="auto" latinLnBrk="0" hangingPunct="1">
+              <a:lnSpc>
+                <a:spcPct val="100000"/>
+              </a:lnSpc>
+              <a:spcBef>
+                <a:spcPts val="0"/>
+              </a:spcBef>
+              <a:spcAft>
+                <a:spcPts val="0"/>
+              </a:spcAft>
+              <a:buClrTx/>
+              <a:buSzTx/>
+              <a:buFontTx/>
+              <a:buNone/>
+              <a:tabLst/>
+              <a:defRPr/>
+            </a:pPr>
+            <a:endParaRPr kumimoji="0" lang="pt-BR" sz="1800" b="0" i="0" u="none" strike="noStrike" kern="1200" cap="none" spc="0" normalizeH="0" baseline="0" noProof="0">
+              <a:ln>
+                <a:noFill/>
+              </a:ln>
+              <a:solidFill>
+                <a:prstClr val="white"/>
+              </a:solidFill>
+              <a:effectLst/>
+              <a:uLnTx/>
+              <a:uFillTx/>
+              <a:latin typeface="Calibri" panose="020F0502020204030204"/>
+              <a:ea typeface="+mn-ea"/>
+              <a:cs typeface="+mn-cs"/>
+            </a:endParaRPr>
+          </a:p>
+        </p:txBody>
+      </p:sp>
+      <p:sp>
+        <p:nvSpPr>
+          <p:cNvPr id="29" name="Retângulo 28">
+            <a:extLst>
+              <a:ext uri="{FF2B5EF4-FFF2-40B4-BE49-F238E27FC236}">
+                <a16:creationId xmlns:a16="http://schemas.microsoft.com/office/drawing/2014/main" id="{401B725B-AC5F-A5F1-1F8B-9225D07517A0}"/>
+              </a:ext>
+            </a:extLst>
+          </p:cNvPr>
+          <p:cNvSpPr/>
+          <p:nvPr/>
+        </p:nvSpPr>
+        <p:spPr>
+          <a:xfrm>
+            <a:off x="11472956" y="5551383"/>
+            <a:ext cx="536139" cy="148707"/>
+          </a:xfrm>
+          <a:prstGeom prst="rect">
+            <a:avLst/>
+          </a:prstGeom>
+          <a:solidFill>
+            <a:srgbClr val="FFFFFF"/>
+          </a:solidFill>
+          <a:ln>
+            <a:noFill/>
+          </a:ln>
+        </p:spPr>
+        <p:style>
+          <a:lnRef idx="2">
+            <a:schemeClr val="accent1">
+              <a:shade val="15000"/>
+            </a:schemeClr>
+          </a:lnRef>
+          <a:fillRef idx="1">
+            <a:schemeClr val="accent1"/>
+          </a:fillRef>
+          <a:effectRef idx="0">
+            <a:schemeClr val="accent1"/>
+          </a:effectRef>
+          <a:fontRef idx="minor">
+            <a:schemeClr val="lt1"/>
+          </a:fontRef>
+        </p:style>
+        <p:txBody>
+          <a:bodyPr rtlCol="0" anchor="ctr"/>
+          <a:lstStyle/>
+          <a:p>
+            <a:pPr marL="0" marR="0" lvl="0" indent="0" algn="ctr" defTabSz="914400" rtl="0" eaLnBrk="1" fontAlgn="auto" latinLnBrk="0" hangingPunct="1">
+              <a:lnSpc>
+                <a:spcPct val="100000"/>
+              </a:lnSpc>
+              <a:spcBef>
+                <a:spcPts val="0"/>
+              </a:spcBef>
+              <a:spcAft>
+                <a:spcPts val="0"/>
+              </a:spcAft>
+              <a:buClrTx/>
+              <a:buSzTx/>
+              <a:buFontTx/>
+              <a:buNone/>
+              <a:tabLst/>
+              <a:defRPr/>
+            </a:pPr>
+            <a:endParaRPr kumimoji="0" lang="pt-BR" sz="1800" b="0" i="0" u="none" strike="noStrike" kern="1200" cap="none" spc="0" normalizeH="0" baseline="0" noProof="0">
+              <a:ln>
+                <a:noFill/>
+              </a:ln>
+              <a:solidFill>
+                <a:prstClr val="white"/>
+              </a:solidFill>
+              <a:effectLst/>
+              <a:uLnTx/>
+              <a:uFillTx/>
+              <a:latin typeface="Calibri" panose="020F0502020204030204"/>
+              <a:ea typeface="+mn-ea"/>
+              <a:cs typeface="+mn-cs"/>
+            </a:endParaRPr>
+          </a:p>
+        </p:txBody>
+      </p:sp>
+    </p:spTree>
+    <p:extLst>
+      <p:ext uri="{BB962C8B-B14F-4D97-AF65-F5344CB8AC3E}">
+        <p14:creationId xmlns:p14="http://schemas.microsoft.com/office/powerpoint/2010/main" val="2323280402"/>
+      </p:ext>
+    </p:extLst>
+  </p:cSld>
+  <p:clrMapOvr>
+    <a:masterClrMapping/>
+  </p:clrMapOvr>
+</p:sld>
+</file>
+
 <file path=ppt/theme/theme1.xml><?xml version="1.0" encoding="utf-8"?>
 <a:theme xmlns:a="http://schemas.openxmlformats.org/drawingml/2006/main" name="Tema do Office">
   <a:themeElements>
